--- a/capstone_project/slides/predict_ctr_abaxi.pptx
+++ b/capstone_project/slides/predict_ctr_abaxi.pptx
@@ -13,19 +13,21 @@
     <p:sldId id="260" r:id="rId7"/>
     <p:sldId id="261" r:id="rId8"/>
     <p:sldId id="262" r:id="rId9"/>
-    <p:sldId id="263" r:id="rId10"/>
-    <p:sldId id="264" r:id="rId11"/>
-    <p:sldId id="265" r:id="rId12"/>
-    <p:sldId id="266" r:id="rId13"/>
-    <p:sldId id="267" r:id="rId14"/>
-    <p:sldId id="270" r:id="rId15"/>
-    <p:sldId id="269" r:id="rId16"/>
-    <p:sldId id="271" r:id="rId17"/>
-    <p:sldId id="272" r:id="rId18"/>
-    <p:sldId id="273" r:id="rId19"/>
-    <p:sldId id="274" r:id="rId20"/>
-    <p:sldId id="275" r:id="rId21"/>
-    <p:sldId id="276" r:id="rId22"/>
+    <p:sldId id="278" r:id="rId10"/>
+    <p:sldId id="263" r:id="rId11"/>
+    <p:sldId id="264" r:id="rId12"/>
+    <p:sldId id="265" r:id="rId13"/>
+    <p:sldId id="266" r:id="rId14"/>
+    <p:sldId id="267" r:id="rId15"/>
+    <p:sldId id="270" r:id="rId16"/>
+    <p:sldId id="269" r:id="rId17"/>
+    <p:sldId id="271" r:id="rId18"/>
+    <p:sldId id="272" r:id="rId19"/>
+    <p:sldId id="273" r:id="rId20"/>
+    <p:sldId id="274" r:id="rId21"/>
+    <p:sldId id="275" r:id="rId22"/>
+    <p:sldId id="277" r:id="rId23"/>
+    <p:sldId id="276" r:id="rId24"/>
   </p:sldIdLst>
   <p:sldSz cx="12192000" cy="6858000"/>
   <p:notesSz cx="6858000" cy="9144000"/>
@@ -124,6 +126,11 @@
       </a:defRPr>
     </a:lvl9pPr>
   </p:defaultTextStyle>
+  <p:extLst>
+    <p:ext uri="{EFAFB233-063F-42B5-8137-9DF3F51BA10A}">
+      <p15:sldGuideLst xmlns:p15="http://schemas.microsoft.com/office/powerpoint/2012/main"/>
+    </p:ext>
+  </p:extLst>
 </p:presentation>
 </file>
 
@@ -357,7 +364,7 @@
             <a:fld id="{B61BEF0D-F0BB-DE4B-95CE-6DB70DBA9567}" type="datetimeFigureOut">
               <a:rPr lang="en-US" dirty="0"/>
               <a:pPr/>
-              <a:t>1/29/2017</a:t>
+              <a:t>1/30/2017</a:t>
             </a:fld>
             <a:endParaRPr lang="en-US" dirty="0"/>
           </a:p>
@@ -688,7 +695,7 @@
             <a:fld id="{B61BEF0D-F0BB-DE4B-95CE-6DB70DBA9567}" type="datetimeFigureOut">
               <a:rPr lang="en-US" dirty="0"/>
               <a:pPr/>
-              <a:t>1/29/2017</a:t>
+              <a:t>1/30/2017</a:t>
             </a:fld>
             <a:endParaRPr lang="en-US" dirty="0"/>
           </a:p>
@@ -963,7 +970,7 @@
             <a:fld id="{B61BEF0D-F0BB-DE4B-95CE-6DB70DBA9567}" type="datetimeFigureOut">
               <a:rPr lang="en-US" dirty="0"/>
               <a:pPr/>
-              <a:t>1/29/2017</a:t>
+              <a:t>1/30/2017</a:t>
             </a:fld>
             <a:endParaRPr lang="en-US" dirty="0"/>
           </a:p>
@@ -1528,7 +1535,7 @@
             <a:fld id="{B61BEF0D-F0BB-DE4B-95CE-6DB70DBA9567}" type="datetimeFigureOut">
               <a:rPr lang="en-US" dirty="0"/>
               <a:pPr/>
-              <a:t>1/29/2017</a:t>
+              <a:t>1/30/2017</a:t>
             </a:fld>
             <a:endParaRPr lang="en-US" dirty="0"/>
           </a:p>
@@ -1803,7 +1810,7 @@
             <a:fld id="{B61BEF0D-F0BB-DE4B-95CE-6DB70DBA9567}" type="datetimeFigureOut">
               <a:rPr lang="en-US" dirty="0"/>
               <a:pPr/>
-              <a:t>1/29/2017</a:t>
+              <a:t>1/30/2017</a:t>
             </a:fld>
             <a:endParaRPr lang="en-US" dirty="0"/>
           </a:p>
@@ -2362,7 +2369,7 @@
             <a:fld id="{B61BEF0D-F0BB-DE4B-95CE-6DB70DBA9567}" type="datetimeFigureOut">
               <a:rPr lang="en-US" dirty="0"/>
               <a:pPr/>
-              <a:t>1/29/2017</a:t>
+              <a:t>1/30/2017</a:t>
             </a:fld>
             <a:endParaRPr lang="en-US" dirty="0"/>
           </a:p>
@@ -2686,7 +2693,7 @@
             <a:fld id="{B61BEF0D-F0BB-DE4B-95CE-6DB70DBA9567}" type="datetimeFigureOut">
               <a:rPr lang="en-US" dirty="0"/>
               <a:pPr/>
-              <a:t>1/29/2017</a:t>
+              <a:t>1/30/2017</a:t>
             </a:fld>
             <a:endParaRPr lang="en-US" dirty="0"/>
           </a:p>
@@ -2860,7 +2867,7 @@
             <a:fld id="{B61BEF0D-F0BB-DE4B-95CE-6DB70DBA9567}" type="datetimeFigureOut">
               <a:rPr lang="en-US" dirty="0"/>
               <a:pPr/>
-              <a:t>1/29/2017</a:t>
+              <a:t>1/30/2017</a:t>
             </a:fld>
             <a:endParaRPr lang="en-US" dirty="0"/>
           </a:p>
@@ -3095,7 +3102,7 @@
             <a:fld id="{B61BEF0D-F0BB-DE4B-95CE-6DB70DBA9567}" type="datetimeFigureOut">
               <a:rPr lang="en-US" dirty="0"/>
               <a:pPr/>
-              <a:t>1/29/2017</a:t>
+              <a:t>1/30/2017</a:t>
             </a:fld>
             <a:endParaRPr lang="en-US" dirty="0"/>
           </a:p>
@@ -3292,7 +3299,7 @@
             <a:fld id="{B61BEF0D-F0BB-DE4B-95CE-6DB70DBA9567}" type="datetimeFigureOut">
               <a:rPr lang="en-US" dirty="0"/>
               <a:pPr/>
-              <a:t>1/29/2017</a:t>
+              <a:t>1/30/2017</a:t>
             </a:fld>
             <a:endParaRPr lang="en-US" dirty="0"/>
           </a:p>
@@ -3565,7 +3572,7 @@
             <a:fld id="{B61BEF0D-F0BB-DE4B-95CE-6DB70DBA9567}" type="datetimeFigureOut">
               <a:rPr lang="en-US" dirty="0"/>
               <a:pPr/>
-              <a:t>1/29/2017</a:t>
+              <a:t>1/30/2017</a:t>
             </a:fld>
             <a:endParaRPr lang="en-US" dirty="0"/>
           </a:p>
@@ -3828,7 +3835,7 @@
             <a:fld id="{B61BEF0D-F0BB-DE4B-95CE-6DB70DBA9567}" type="datetimeFigureOut">
               <a:rPr lang="en-US" dirty="0"/>
               <a:pPr/>
-              <a:t>1/29/2017</a:t>
+              <a:t>1/30/2017</a:t>
             </a:fld>
             <a:endParaRPr lang="en-US" dirty="0"/>
           </a:p>
@@ -4199,7 +4206,7 @@
             <a:fld id="{B61BEF0D-F0BB-DE4B-95CE-6DB70DBA9567}" type="datetimeFigureOut">
               <a:rPr lang="en-US" dirty="0"/>
               <a:pPr/>
-              <a:t>1/29/2017</a:t>
+              <a:t>1/30/2017</a:t>
             </a:fld>
             <a:endParaRPr lang="en-US" dirty="0"/>
           </a:p>
@@ -4344,7 +4351,7 @@
             <a:fld id="{B61BEF0D-F0BB-DE4B-95CE-6DB70DBA9567}" type="datetimeFigureOut">
               <a:rPr lang="en-US" dirty="0"/>
               <a:pPr/>
-              <a:t>1/29/2017</a:t>
+              <a:t>1/30/2017</a:t>
             </a:fld>
             <a:endParaRPr lang="en-US" dirty="0"/>
           </a:p>
@@ -4466,7 +4473,7 @@
             <a:fld id="{B61BEF0D-F0BB-DE4B-95CE-6DB70DBA9567}" type="datetimeFigureOut">
               <a:rPr lang="en-US" dirty="0"/>
               <a:pPr/>
-              <a:t>1/29/2017</a:t>
+              <a:t>1/30/2017</a:t>
             </a:fld>
             <a:endParaRPr lang="en-US" dirty="0"/>
           </a:p>
@@ -4748,7 +4755,7 @@
             <a:fld id="{B61BEF0D-F0BB-DE4B-95CE-6DB70DBA9567}" type="datetimeFigureOut">
               <a:rPr lang="en-US" dirty="0"/>
               <a:pPr/>
-              <a:t>1/29/2017</a:t>
+              <a:t>1/30/2017</a:t>
             </a:fld>
             <a:endParaRPr lang="en-US" dirty="0"/>
           </a:p>
@@ -5069,7 +5076,7 @@
             <a:fld id="{B61BEF0D-F0BB-DE4B-95CE-6DB70DBA9567}" type="datetimeFigureOut">
               <a:rPr lang="en-US" dirty="0"/>
               <a:pPr/>
-              <a:t>1/29/2017</a:t>
+              <a:t>1/30/2017</a:t>
             </a:fld>
             <a:endParaRPr lang="en-US" dirty="0"/>
           </a:p>
@@ -5280,7 +5287,7 @@
             <a:fld id="{B61BEF0D-F0BB-DE4B-95CE-6DB70DBA9567}" type="datetimeFigureOut">
               <a:rPr lang="en-US" dirty="0"/>
               <a:pPr/>
-              <a:t>1/29/2017</a:t>
+              <a:t>1/30/2017</a:t>
             </a:fld>
             <a:endParaRPr lang="en-US" dirty="0"/>
           </a:p>
@@ -5848,7 +5855,7 @@
         <p:spPr>
           <a:xfrm>
             <a:off x="7321505" y="4765299"/>
-            <a:ext cx="3838620" cy="646331"/>
+            <a:ext cx="3838620" cy="923330"/>
           </a:xfrm>
           <a:prstGeom prst="rect">
             <a:avLst/>
@@ -5863,7 +5870,29 @@
           <a:p>
             <a:r>
               <a:rPr lang="en-US" dirty="0"/>
-              <a:t>Ameesh Baxi - ameeshbaxi@gmail.com</a:t>
+              <a:t>Ameesh Baxi - </a:t>
+            </a:r>
+            <a:r>
+              <a:rPr lang="en-US" dirty="0">
+                <a:hlinkClick r:id="rId2"/>
+              </a:rPr>
+              <a:t>ameeshbaxi@gmail.com</a:t>
+            </a:r>
+            <a:endParaRPr lang="en-US" dirty="0"/>
+          </a:p>
+          <a:p>
+            <a:pPr algn="r"/>
+            <a:r>
+              <a:rPr lang="en-US" dirty="0"/>
+              <a:t>30</a:t>
+            </a:r>
+            <a:r>
+              <a:rPr lang="en-US" baseline="30000" dirty="0"/>
+              <a:t>th</a:t>
+            </a:r>
+            <a:r>
+              <a:rPr lang="en-US" dirty="0"/>
+              <a:t> January 2017</a:t>
             </a:r>
             <a:endParaRPr lang="en-AU" dirty="0"/>
           </a:p>
@@ -5912,10 +5941,642 @@
             <p:ph type="title"/>
           </p:nvPr>
         </p:nvSpPr>
+        <p:spPr/>
+        <p:txBody>
+          <a:bodyPr/>
+          <a:lstStyle/>
+          <a:p>
+            <a:r>
+              <a:rPr lang="en-US" dirty="0"/>
+              <a:t>Logistic Regression</a:t>
+            </a:r>
+            <a:endParaRPr lang="en-AU" dirty="0"/>
+          </a:p>
+        </p:txBody>
+      </p:sp>
+      <p:graphicFrame>
+        <p:nvGraphicFramePr>
+          <p:cNvPr id="7" name="Table 6"/>
+          <p:cNvGraphicFramePr>
+            <a:graphicFrameLocks noGrp="1"/>
+          </p:cNvGraphicFramePr>
+          <p:nvPr>
+            <p:extLst>
+              <p:ext uri="{D42A27DB-BD31-4B8C-83A1-F6EECF244321}">
+                <p14:modId xmlns:p14="http://schemas.microsoft.com/office/powerpoint/2010/main" val="3892920566"/>
+              </p:ext>
+            </p:extLst>
+          </p:nvPr>
+        </p:nvGraphicFramePr>
+        <p:xfrm>
+          <a:off x="5517930" y="714419"/>
+          <a:ext cx="5051272" cy="2385164"/>
+        </p:xfrm>
+        <a:graphic>
+          <a:graphicData uri="http://schemas.openxmlformats.org/drawingml/2006/table">
+            <a:tbl>
+              <a:tblPr firstRow="1" bandRow="1">
+                <a:tableStyleId>{9D7B26C5-4107-4FEC-AEDC-1716B250A1EF}</a:tableStyleId>
+              </a:tblPr>
+              <a:tblGrid>
+                <a:gridCol w="954257">
+                  <a:extLst>
+                    <a:ext uri="{9D8B030D-6E8A-4147-A177-3AD203B41FA5}">
+                      <a16:colId xmlns:a16="http://schemas.microsoft.com/office/drawing/2014/main" val="2970211017"/>
+                    </a:ext>
+                  </a:extLst>
+                </a:gridCol>
+                <a:gridCol w="1488928">
+                  <a:extLst>
+                    <a:ext uri="{9D8B030D-6E8A-4147-A177-3AD203B41FA5}">
+                      <a16:colId xmlns:a16="http://schemas.microsoft.com/office/drawing/2014/main" val="996283866"/>
+                    </a:ext>
+                  </a:extLst>
+                </a:gridCol>
+                <a:gridCol w="1332406">
+                  <a:extLst>
+                    <a:ext uri="{9D8B030D-6E8A-4147-A177-3AD203B41FA5}">
+                      <a16:colId xmlns:a16="http://schemas.microsoft.com/office/drawing/2014/main" val="55030793"/>
+                    </a:ext>
+                  </a:extLst>
+                </a:gridCol>
+                <a:gridCol w="1275681">
+                  <a:extLst>
+                    <a:ext uri="{9D8B030D-6E8A-4147-A177-3AD203B41FA5}">
+                      <a16:colId xmlns:a16="http://schemas.microsoft.com/office/drawing/2014/main" val="3409787551"/>
+                    </a:ext>
+                  </a:extLst>
+                </a:gridCol>
+              </a:tblGrid>
+              <a:tr h="759071">
+                <a:tc>
+                  <a:txBody>
+                    <a:bodyPr/>
+                    <a:lstStyle/>
+                    <a:p>
+                      <a:endParaRPr lang="en-AU" dirty="0"/>
+                    </a:p>
+                  </a:txBody>
+                  <a:tcPr/>
+                </a:tc>
+                <a:tc>
+                  <a:txBody>
+                    <a:bodyPr/>
+                    <a:lstStyle/>
+                    <a:p>
+                      <a:r>
+                        <a:rPr lang="en-US" dirty="0"/>
+                        <a:t>BEST PARAMS</a:t>
+                      </a:r>
+                      <a:endParaRPr lang="en-AU" dirty="0"/>
+                    </a:p>
+                  </a:txBody>
+                  <a:tcPr/>
+                </a:tc>
+                <a:tc>
+                  <a:txBody>
+                    <a:bodyPr/>
+                    <a:lstStyle/>
+                    <a:p>
+                      <a:r>
+                        <a:rPr lang="en-US" dirty="0"/>
+                        <a:t>Training Accuracy</a:t>
+                      </a:r>
+                      <a:endParaRPr lang="en-AU" dirty="0"/>
+                    </a:p>
+                  </a:txBody>
+                  <a:tcPr/>
+                </a:tc>
+                <a:tc>
+                  <a:txBody>
+                    <a:bodyPr/>
+                    <a:lstStyle/>
+                    <a:p>
+                      <a:r>
+                        <a:rPr lang="en-US" dirty="0"/>
+                        <a:t>Test Accuracy</a:t>
+                      </a:r>
+                      <a:endParaRPr lang="en-AU" dirty="0"/>
+                    </a:p>
+                  </a:txBody>
+                  <a:tcPr/>
+                </a:tc>
+                <a:extLst>
+                  <a:ext uri="{0D108BD9-81ED-4DB2-BD59-A6C34878D82A}">
+                    <a16:rowId xmlns:a16="http://schemas.microsoft.com/office/drawing/2014/main" val="3320267811"/>
+                  </a:ext>
+                </a:extLst>
+              </a:tr>
+              <a:tr h="542031">
+                <a:tc>
+                  <a:txBody>
+                    <a:bodyPr/>
+                    <a:lstStyle/>
+                    <a:p>
+                      <a:r>
+                        <a:rPr lang="en-US" dirty="0"/>
+                        <a:t>LR50</a:t>
+                      </a:r>
+                      <a:endParaRPr lang="en-AU" dirty="0"/>
+                    </a:p>
+                  </a:txBody>
+                  <a:tcPr/>
+                </a:tc>
+                <a:tc>
+                  <a:txBody>
+                    <a:bodyPr/>
+                    <a:lstStyle/>
+                    <a:p>
+                      <a:r>
+                        <a:rPr lang="en-AU" dirty="0"/>
+                        <a:t>{'C': 0.1}</a:t>
+                      </a:r>
+                    </a:p>
+                  </a:txBody>
+                  <a:tcPr/>
+                </a:tc>
+                <a:tc>
+                  <a:txBody>
+                    <a:bodyPr/>
+                    <a:lstStyle/>
+                    <a:p>
+                      <a:r>
+                        <a:rPr lang="en-US" dirty="0"/>
+                        <a:t>0.55</a:t>
+                      </a:r>
+                      <a:endParaRPr lang="en-AU" dirty="0"/>
+                    </a:p>
+                  </a:txBody>
+                  <a:tcPr/>
+                </a:tc>
+                <a:tc>
+                  <a:txBody>
+                    <a:bodyPr/>
+                    <a:lstStyle/>
+                    <a:p>
+                      <a:r>
+                        <a:rPr lang="en-US" dirty="0"/>
+                        <a:t>0.56</a:t>
+                      </a:r>
+                      <a:endParaRPr lang="en-AU" dirty="0"/>
+                    </a:p>
+                  </a:txBody>
+                  <a:tcPr/>
+                </a:tc>
+                <a:extLst>
+                  <a:ext uri="{0D108BD9-81ED-4DB2-BD59-A6C34878D82A}">
+                    <a16:rowId xmlns:a16="http://schemas.microsoft.com/office/drawing/2014/main" val="2898232993"/>
+                  </a:ext>
+                </a:extLst>
+              </a:tr>
+              <a:tr h="542031">
+                <a:tc>
+                  <a:txBody>
+                    <a:bodyPr/>
+                    <a:lstStyle/>
+                    <a:p>
+                      <a:r>
+                        <a:rPr lang="en-US" dirty="0"/>
+                        <a:t>LR33</a:t>
+                      </a:r>
+                      <a:endParaRPr lang="en-AU" dirty="0"/>
+                    </a:p>
+                  </a:txBody>
+                  <a:tcPr/>
+                </a:tc>
+                <a:tc>
+                  <a:txBody>
+                    <a:bodyPr/>
+                    <a:lstStyle/>
+                    <a:p>
+                      <a:r>
+                        <a:rPr lang="en-AU" dirty="0"/>
+                        <a:t>{'C': 0.01}</a:t>
+                      </a:r>
+                    </a:p>
+                  </a:txBody>
+                  <a:tcPr/>
+                </a:tc>
+                <a:tc>
+                  <a:txBody>
+                    <a:bodyPr/>
+                    <a:lstStyle/>
+                    <a:p>
+                      <a:r>
+                        <a:rPr lang="en-US" dirty="0"/>
+                        <a:t>0.67</a:t>
+                      </a:r>
+                      <a:endParaRPr lang="en-AU" dirty="0"/>
+                    </a:p>
+                  </a:txBody>
+                  <a:tcPr/>
+                </a:tc>
+                <a:tc>
+                  <a:txBody>
+                    <a:bodyPr/>
+                    <a:lstStyle/>
+                    <a:p>
+                      <a:r>
+                        <a:rPr lang="en-US" dirty="0"/>
+                        <a:t>0.67</a:t>
+                      </a:r>
+                      <a:endParaRPr lang="en-AU" dirty="0"/>
+                    </a:p>
+                  </a:txBody>
+                  <a:tcPr/>
+                </a:tc>
+                <a:extLst>
+                  <a:ext uri="{0D108BD9-81ED-4DB2-BD59-A6C34878D82A}">
+                    <a16:rowId xmlns:a16="http://schemas.microsoft.com/office/drawing/2014/main" val="3803277906"/>
+                  </a:ext>
+                </a:extLst>
+              </a:tr>
+              <a:tr h="542031">
+                <a:tc>
+                  <a:txBody>
+                    <a:bodyPr/>
+                    <a:lstStyle/>
+                    <a:p>
+                      <a:r>
+                        <a:rPr lang="en-US" dirty="0"/>
+                        <a:t>LR20</a:t>
+                      </a:r>
+                      <a:endParaRPr lang="en-AU" dirty="0"/>
+                    </a:p>
+                  </a:txBody>
+                  <a:tcPr/>
+                </a:tc>
+                <a:tc>
+                  <a:txBody>
+                    <a:bodyPr/>
+                    <a:lstStyle/>
+                    <a:p>
+                      <a:r>
+                        <a:rPr lang="en-AU" dirty="0"/>
+                        <a:t>{'C': 0.01}</a:t>
+                      </a:r>
+                    </a:p>
+                  </a:txBody>
+                  <a:tcPr/>
+                </a:tc>
+                <a:tc>
+                  <a:txBody>
+                    <a:bodyPr/>
+                    <a:lstStyle/>
+                    <a:p>
+                      <a:r>
+                        <a:rPr lang="en-US" dirty="0"/>
+                        <a:t>0.80</a:t>
+                      </a:r>
+                      <a:endParaRPr lang="en-AU" dirty="0"/>
+                    </a:p>
+                  </a:txBody>
+                  <a:tcPr/>
+                </a:tc>
+                <a:tc>
+                  <a:txBody>
+                    <a:bodyPr/>
+                    <a:lstStyle/>
+                    <a:p>
+                      <a:r>
+                        <a:rPr lang="en-US" dirty="0"/>
+                        <a:t>0.80</a:t>
+                      </a:r>
+                      <a:endParaRPr lang="en-AU" dirty="0"/>
+                    </a:p>
+                  </a:txBody>
+                  <a:tcPr/>
+                </a:tc>
+                <a:extLst>
+                  <a:ext uri="{0D108BD9-81ED-4DB2-BD59-A6C34878D82A}">
+                    <a16:rowId xmlns:a16="http://schemas.microsoft.com/office/drawing/2014/main" val="1535223190"/>
+                  </a:ext>
+                </a:extLst>
+              </a:tr>
+            </a:tbl>
+          </a:graphicData>
+        </a:graphic>
+      </p:graphicFrame>
+      <p:sp>
+        <p:nvSpPr>
+          <p:cNvPr id="10" name="TextBox 9"/>
+          <p:cNvSpPr txBox="1"/>
+          <p:nvPr/>
+        </p:nvSpPr>
         <p:spPr>
           <a:xfrm>
-            <a:off x="685802" y="609600"/>
-            <a:ext cx="3432152" cy="3457903"/>
+            <a:off x="685801" y="1992763"/>
+            <a:ext cx="4207816" cy="461665"/>
+          </a:xfrm>
+          <a:prstGeom prst="rect">
+            <a:avLst/>
+          </a:prstGeom>
+          <a:noFill/>
+        </p:spPr>
+        <p:txBody>
+          <a:bodyPr wrap="square" rtlCol="0">
+            <a:spAutoFit/>
+          </a:bodyPr>
+          <a:lstStyle/>
+          <a:p>
+            <a:r>
+              <a:rPr lang="en-AU" sz="2400" b="1" dirty="0"/>
+              <a:t>C values</a:t>
+            </a:r>
+            <a:r>
+              <a:rPr lang="en-AU" sz="2400" dirty="0"/>
+              <a:t>: [0.001, 0.1, 1, 10, 100]</a:t>
+            </a:r>
+          </a:p>
+        </p:txBody>
+      </p:sp>
+      <p:graphicFrame>
+        <p:nvGraphicFramePr>
+          <p:cNvPr id="11" name="Table 10"/>
+          <p:cNvGraphicFramePr>
+            <a:graphicFrameLocks noGrp="1"/>
+          </p:cNvGraphicFramePr>
+          <p:nvPr>
+            <p:extLst>
+              <p:ext uri="{D42A27DB-BD31-4B8C-83A1-F6EECF244321}">
+                <p14:modId xmlns:p14="http://schemas.microsoft.com/office/powerpoint/2010/main" val="2113674457"/>
+              </p:ext>
+            </p:extLst>
+          </p:nvPr>
+        </p:nvGraphicFramePr>
+        <p:xfrm>
+          <a:off x="991026" y="3744737"/>
+          <a:ext cx="9578176" cy="2288016"/>
+        </p:xfrm>
+        <a:graphic>
+          <a:graphicData uri="http://schemas.openxmlformats.org/drawingml/2006/table">
+            <a:tbl>
+              <a:tblPr firstRow="1" bandRow="1">
+                <a:tableStyleId>{9D7B26C5-4107-4FEC-AEDC-1716B250A1EF}</a:tableStyleId>
+              </a:tblPr>
+              <a:tblGrid>
+                <a:gridCol w="2394544">
+                  <a:extLst>
+                    <a:ext uri="{9D8B030D-6E8A-4147-A177-3AD203B41FA5}">
+                      <a16:colId xmlns:a16="http://schemas.microsoft.com/office/drawing/2014/main" val="2903087190"/>
+                    </a:ext>
+                  </a:extLst>
+                </a:gridCol>
+                <a:gridCol w="2394544">
+                  <a:extLst>
+                    <a:ext uri="{9D8B030D-6E8A-4147-A177-3AD203B41FA5}">
+                      <a16:colId xmlns:a16="http://schemas.microsoft.com/office/drawing/2014/main" val="2812770356"/>
+                    </a:ext>
+                  </a:extLst>
+                </a:gridCol>
+                <a:gridCol w="2394544">
+                  <a:extLst>
+                    <a:ext uri="{9D8B030D-6E8A-4147-A177-3AD203B41FA5}">
+                      <a16:colId xmlns:a16="http://schemas.microsoft.com/office/drawing/2014/main" val="3990837092"/>
+                    </a:ext>
+                  </a:extLst>
+                </a:gridCol>
+                <a:gridCol w="2394544">
+                  <a:extLst>
+                    <a:ext uri="{9D8B030D-6E8A-4147-A177-3AD203B41FA5}">
+                      <a16:colId xmlns:a16="http://schemas.microsoft.com/office/drawing/2014/main" val="842969964"/>
+                    </a:ext>
+                  </a:extLst>
+                </a:gridCol>
+              </a:tblGrid>
+              <a:tr h="762672">
+                <a:tc>
+                  <a:txBody>
+                    <a:bodyPr/>
+                    <a:lstStyle/>
+                    <a:p>
+                      <a:endParaRPr lang="en-AU" dirty="0"/>
+                    </a:p>
+                  </a:txBody>
+                  <a:tcPr/>
+                </a:tc>
+                <a:tc>
+                  <a:txBody>
+                    <a:bodyPr/>
+                    <a:lstStyle/>
+                    <a:p>
+                      <a:r>
+                        <a:rPr lang="en-AU" dirty="0"/>
+                        <a:t>LR50 + Xtest_lr_50 </a:t>
+                      </a:r>
+                    </a:p>
+                  </a:txBody>
+                  <a:tcPr/>
+                </a:tc>
+                <a:tc>
+                  <a:txBody>
+                    <a:bodyPr/>
+                    <a:lstStyle/>
+                    <a:p>
+                      <a:r>
+                        <a:rPr lang="en-AU" dirty="0"/>
+                        <a:t>LR33 + Xtest_lr_33</a:t>
+                      </a:r>
+                    </a:p>
+                  </a:txBody>
+                  <a:tcPr/>
+                </a:tc>
+                <a:tc>
+                  <a:txBody>
+                    <a:bodyPr/>
+                    <a:lstStyle/>
+                    <a:p>
+                      <a:r>
+                        <a:rPr lang="en-AU" dirty="0"/>
+                        <a:t>LR20 + Xtest_lr_20</a:t>
+                      </a:r>
+                    </a:p>
+                  </a:txBody>
+                  <a:tcPr/>
+                </a:tc>
+                <a:extLst>
+                  <a:ext uri="{0D108BD9-81ED-4DB2-BD59-A6C34878D82A}">
+                    <a16:rowId xmlns:a16="http://schemas.microsoft.com/office/drawing/2014/main" val="3211777526"/>
+                  </a:ext>
+                </a:extLst>
+              </a:tr>
+              <a:tr h="762672">
+                <a:tc>
+                  <a:txBody>
+                    <a:bodyPr/>
+                    <a:lstStyle/>
+                    <a:p>
+                      <a:r>
+                        <a:rPr lang="en-US" dirty="0"/>
+                        <a:t>Confusion Matrix</a:t>
+                      </a:r>
+                      <a:endParaRPr lang="en-AU" dirty="0"/>
+                    </a:p>
+                  </a:txBody>
+                  <a:tcPr/>
+                </a:tc>
+                <a:tc>
+                  <a:txBody>
+                    <a:bodyPr/>
+                    <a:lstStyle/>
+                    <a:p>
+                      <a:r>
+                        <a:rPr lang="en-AU" dirty="0"/>
+                        <a:t>[[3238 4851]</a:t>
+                      </a:r>
+                    </a:p>
+                    <a:p>
+                      <a:r>
+                        <a:rPr lang="en-AU" dirty="0"/>
+                        <a:t>  [2345 5738]]</a:t>
+                      </a:r>
+                    </a:p>
+                  </a:txBody>
+                  <a:tcPr/>
+                </a:tc>
+                <a:tc>
+                  <a:txBody>
+                    <a:bodyPr/>
+                    <a:lstStyle/>
+                    <a:p>
+                      <a:r>
+                        <a:rPr lang="en-AU" dirty="0"/>
+                        <a:t>[[10859    39]</a:t>
+                      </a:r>
+                    </a:p>
+                    <a:p>
+                      <a:r>
+                        <a:rPr lang="en-AU" dirty="0"/>
+                        <a:t>     [ 5257    17]]</a:t>
+                      </a:r>
+                    </a:p>
+                  </a:txBody>
+                  <a:tcPr/>
+                </a:tc>
+                <a:tc>
+                  <a:txBody>
+                    <a:bodyPr/>
+                    <a:lstStyle/>
+                    <a:p>
+                      <a:r>
+                        <a:rPr lang="en-AU" dirty="0"/>
+                        <a:t>[[12923     0]</a:t>
+                      </a:r>
+                    </a:p>
+                    <a:p>
+                      <a:r>
+                        <a:rPr lang="en-AU" dirty="0"/>
+                        <a:t>     [ 3249     0]]</a:t>
+                      </a:r>
+                    </a:p>
+                  </a:txBody>
+                  <a:tcPr/>
+                </a:tc>
+                <a:extLst>
+                  <a:ext uri="{0D108BD9-81ED-4DB2-BD59-A6C34878D82A}">
+                    <a16:rowId xmlns:a16="http://schemas.microsoft.com/office/drawing/2014/main" val="863248057"/>
+                  </a:ext>
+                </a:extLst>
+              </a:tr>
+              <a:tr h="762672">
+                <a:tc gridSpan="4">
+                  <a:txBody>
+                    <a:bodyPr/>
+                    <a:lstStyle/>
+                    <a:p>
+                      <a:r>
+                        <a:rPr lang="en-US" dirty="0"/>
+                        <a:t>LR classifier with imbalanced set suffer from False Positive issue.</a:t>
+                      </a:r>
+                      <a:endParaRPr lang="en-AU" dirty="0"/>
+                    </a:p>
+                  </a:txBody>
+                  <a:tcPr/>
+                </a:tc>
+                <a:tc hMerge="1">
+                  <a:txBody>
+                    <a:bodyPr/>
+                    <a:lstStyle/>
+                    <a:p>
+                      <a:endParaRPr lang="en-AU" dirty="0"/>
+                    </a:p>
+                  </a:txBody>
+                  <a:tcPr/>
+                </a:tc>
+                <a:tc hMerge="1">
+                  <a:txBody>
+                    <a:bodyPr/>
+                    <a:lstStyle/>
+                    <a:p>
+                      <a:endParaRPr lang="en-AU" dirty="0"/>
+                    </a:p>
+                  </a:txBody>
+                  <a:tcPr/>
+                </a:tc>
+                <a:tc hMerge="1">
+                  <a:txBody>
+                    <a:bodyPr/>
+                    <a:lstStyle/>
+                    <a:p>
+                      <a:endParaRPr lang="en-AU" dirty="0"/>
+                    </a:p>
+                  </a:txBody>
+                  <a:tcPr/>
+                </a:tc>
+                <a:extLst>
+                  <a:ext uri="{0D108BD9-81ED-4DB2-BD59-A6C34878D82A}">
+                    <a16:rowId xmlns:a16="http://schemas.microsoft.com/office/drawing/2014/main" val="1990259118"/>
+                  </a:ext>
+                </a:extLst>
+              </a:tr>
+            </a:tbl>
+          </a:graphicData>
+        </a:graphic>
+      </p:graphicFrame>
+    </p:spTree>
+    <p:extLst>
+      <p:ext uri="{BB962C8B-B14F-4D97-AF65-F5344CB8AC3E}">
+        <p14:creationId xmlns:p14="http://schemas.microsoft.com/office/powerpoint/2010/main" val="3433495315"/>
+      </p:ext>
+    </p:extLst>
+  </p:cSld>
+  <p:clrMapOvr>
+    <a:masterClrMapping/>
+  </p:clrMapOvr>
+</p:sld>
+</file>
+
+<file path=ppt/slides/slide11.xml><?xml version="1.0" encoding="utf-8"?>
+<p:sld xmlns:a="http://schemas.openxmlformats.org/drawingml/2006/main" xmlns:r="http://schemas.openxmlformats.org/officeDocument/2006/relationships" xmlns:p="http://schemas.openxmlformats.org/presentationml/2006/main">
+  <p:cSld>
+    <p:spTree>
+      <p:nvGrpSpPr>
+        <p:cNvPr id="1" name=""/>
+        <p:cNvGrpSpPr/>
+        <p:nvPr/>
+      </p:nvGrpSpPr>
+      <p:grpSpPr>
+        <a:xfrm>
+          <a:off x="0" y="0"/>
+          <a:ext cx="0" cy="0"/>
+          <a:chOff x="0" y="0"/>
+          <a:chExt cx="0" cy="0"/>
+        </a:xfrm>
+      </p:grpSpPr>
+      <p:sp>
+        <p:nvSpPr>
+          <p:cNvPr id="2" name="Title 1"/>
+          <p:cNvSpPr>
+            <a:spLocks noGrp="1"/>
+          </p:cNvSpPr>
+          <p:nvPr>
+            <p:ph type="title"/>
+          </p:nvPr>
+        </p:nvSpPr>
+        <p:spPr>
+          <a:xfrm>
+            <a:off x="364185" y="1460938"/>
+            <a:ext cx="4441144" cy="3457903"/>
           </a:xfrm>
         </p:spPr>
         <p:txBody>
@@ -5924,7 +6585,17 @@
           <a:p>
             <a:r>
               <a:rPr lang="en-US" dirty="0"/>
-              <a:t>Logistic Regression Calibration CURVE</a:t>
+              <a:t>Logistic Regression</a:t>
+            </a:r>
+            <a:br>
+              <a:rPr lang="en-US" dirty="0"/>
+            </a:br>
+            <a:br>
+              <a:rPr lang="en-US" dirty="0"/>
+            </a:br>
+            <a:r>
+              <a:rPr lang="en-US" dirty="0"/>
+              <a:t>Calibration CURVE</a:t>
             </a:r>
             <a:endParaRPr lang="en-AU" dirty="0"/>
           </a:p>
@@ -5967,7 +6638,7 @@
 </p:sld>
 </file>
 
-<file path=ppt/slides/slide11.xml><?xml version="1.0" encoding="utf-8"?>
+<file path=ppt/slides/slide12.xml><?xml version="1.0" encoding="utf-8"?>
 <p:sld xmlns:a="http://schemas.openxmlformats.org/drawingml/2006/main" xmlns:r="http://schemas.openxmlformats.org/officeDocument/2006/relationships" xmlns:p="http://schemas.openxmlformats.org/presentationml/2006/main">
   <p:cSld>
     <p:spTree>
@@ -6021,7 +6692,7 @@
           <p:nvPr>
             <p:extLst>
               <p:ext uri="{D42A27DB-BD31-4B8C-83A1-F6EECF244321}">
-                <p14:modId xmlns:p14="http://schemas.microsoft.com/office/powerpoint/2010/main" val="3957493117"/>
+                <p14:modId xmlns:p14="http://schemas.microsoft.com/office/powerpoint/2010/main" val="2096129689"/>
               </p:ext>
             </p:extLst>
           </p:nvPr>
@@ -6084,7 +6755,7 @@
                     <a:p>
                       <a:r>
                         <a:rPr lang="en-US" dirty="0"/>
-                        <a:t>BEST PRAMS</a:t>
+                        <a:t>BEST PARAMS</a:t>
                       </a:r>
                       <a:endParaRPr lang="en-AU" dirty="0"/>
                     </a:p>
@@ -6157,7 +6828,6 @@
                         <a:rPr lang="en-AU" dirty="0"/>
                         <a:t>': 120}</a:t>
                       </a:r>
-                      <a:endParaRPr lang="en-AU" dirty="0"/>
                     </a:p>
                   </a:txBody>
                   <a:tcPr/>
@@ -6228,7 +6898,6 @@
                         <a:rPr lang="en-AU" dirty="0"/>
                         <a:t>': 120}</a:t>
                       </a:r>
-                      <a:endParaRPr lang="en-AU" dirty="0"/>
                     </a:p>
                   </a:txBody>
                   <a:tcPr/>
@@ -6299,7 +6968,6 @@
                         <a:rPr lang="en-AU" dirty="0"/>
                         <a:t>': 200}</a:t>
                       </a:r>
-                      <a:endParaRPr lang="en-AU" dirty="0"/>
                     </a:p>
                   </a:txBody>
                   <a:tcPr/>
@@ -6395,7 +7063,7 @@
           <p:nvPr>
             <p:extLst>
               <p:ext uri="{D42A27DB-BD31-4B8C-83A1-F6EECF244321}">
-                <p14:modId xmlns:p14="http://schemas.microsoft.com/office/powerpoint/2010/main" val="1421455585"/>
+                <p14:modId xmlns:p14="http://schemas.microsoft.com/office/powerpoint/2010/main" val="276913024"/>
               </p:ext>
             </p:extLst>
           </p:nvPr>
@@ -6460,7 +7128,6 @@
                         <a:rPr lang="en-AU" dirty="0"/>
                         <a:t>SGDC50 + Xtest_sdg_50 </a:t>
                       </a:r>
-                      <a:endParaRPr lang="en-AU" dirty="0"/>
                     </a:p>
                   </a:txBody>
                   <a:tcPr/>
@@ -6474,7 +7141,6 @@
                         <a:rPr lang="en-AU" dirty="0"/>
                         <a:t>SGDC33 + Xtest_sgd_33</a:t>
                       </a:r>
-                      <a:endParaRPr lang="en-AU" dirty="0"/>
                     </a:p>
                   </a:txBody>
                   <a:tcPr/>
@@ -6488,7 +7154,6 @@
                         <a:rPr lang="en-AU" dirty="0"/>
                         <a:t>SGDC20 + Xtest_sgd_20</a:t>
                       </a:r>
-                      <a:endParaRPr lang="en-AU" dirty="0"/>
                     </a:p>
                   </a:txBody>
                   <a:tcPr/>
@@ -6529,7 +7194,6 @@
                         <a:rPr lang="en-AU" dirty="0"/>
                         <a:t>     [7075  935]]</a:t>
                       </a:r>
-                      <a:endParaRPr lang="en-AU" dirty="0"/>
                     </a:p>
                   </a:txBody>
                   <a:tcPr/>
@@ -6549,7 +7213,6 @@
                         <a:rPr lang="en-AU" dirty="0"/>
                         <a:t>     [2132 3233]]</a:t>
                       </a:r>
-                      <a:endParaRPr lang="en-AU" dirty="0"/>
                     </a:p>
                   </a:txBody>
                   <a:tcPr/>
@@ -6569,7 +7232,6 @@
                         <a:rPr lang="en-AU" dirty="0"/>
                         <a:t>     [ 3220     0]]</a:t>
                       </a:r>
-                      <a:endParaRPr lang="en-AU" dirty="0"/>
                     </a:p>
                   </a:txBody>
                   <a:tcPr/>
@@ -6588,7 +7250,7 @@
                     <a:p>
                       <a:r>
                         <a:rPr lang="en-US" dirty="0"/>
-                        <a:t>SGD Classifier suffer from False Positive Issue.</a:t>
+                        <a:t>SGD Classifier suffer from False Positive issue.</a:t>
                       </a:r>
                       <a:endParaRPr lang="en-AU" dirty="0"/>
                     </a:p>
@@ -6648,7 +7310,7 @@
 </p:sld>
 </file>
 
-<file path=ppt/slides/slide12.xml><?xml version="1.0" encoding="utf-8"?>
+<file path=ppt/slides/slide13.xml><?xml version="1.0" encoding="utf-8"?>
 <p:sld xmlns:a="http://schemas.openxmlformats.org/drawingml/2006/main" xmlns:r="http://schemas.openxmlformats.org/officeDocument/2006/relationships" xmlns:p="http://schemas.openxmlformats.org/presentationml/2006/main">
   <p:cSld>
     <p:spTree>
@@ -6677,8 +7339,8 @@
         </p:nvSpPr>
         <p:spPr>
           <a:xfrm>
-            <a:off x="8127126" y="1631206"/>
-            <a:ext cx="3432152" cy="3457903"/>
+            <a:off x="7422406" y="1631206"/>
+            <a:ext cx="4136872" cy="3457903"/>
           </a:xfrm>
         </p:spPr>
         <p:txBody>
@@ -6687,11 +7349,7 @@
           <a:p>
             <a:r>
               <a:rPr lang="en-US" dirty="0"/>
-              <a:t>SGD Classifier</a:t>
-            </a:r>
-            <a:r>
-              <a:rPr lang="en-US" dirty="0"/>
-              <a:t> Calibration CURVE</a:t>
+              <a:t>SGD Classifier Calibration CURVE</a:t>
             </a:r>
             <a:endParaRPr lang="en-AU" dirty="0"/>
           </a:p>
@@ -6734,7 +7392,7 @@
 </p:sld>
 </file>
 
-<file path=ppt/slides/slide13.xml><?xml version="1.0" encoding="utf-8"?>
+<file path=ppt/slides/slide14.xml><?xml version="1.0" encoding="utf-8"?>
 <p:sld xmlns:a="http://schemas.openxmlformats.org/drawingml/2006/main" xmlns:r="http://schemas.openxmlformats.org/officeDocument/2006/relationships" xmlns:p="http://schemas.openxmlformats.org/presentationml/2006/main">
   <p:cSld>
     <p:spTree>
@@ -6838,7 +7496,7 @@
           <p:nvPr>
             <p:extLst>
               <p:ext uri="{D42A27DB-BD31-4B8C-83A1-F6EECF244321}">
-                <p14:modId xmlns:p14="http://schemas.microsoft.com/office/powerpoint/2010/main" val="3499662881"/>
+                <p14:modId xmlns:p14="http://schemas.microsoft.com/office/powerpoint/2010/main" val="1294091838"/>
               </p:ext>
             </p:extLst>
           </p:nvPr>
@@ -6901,7 +7559,7 @@
                     <a:p>
                       <a:r>
                         <a:rPr lang="en-US" dirty="0"/>
-                        <a:t>BEST PRAMS</a:t>
+                        <a:t>BEST PARAMS</a:t>
                       </a:r>
                       <a:endParaRPr lang="en-AU" dirty="0"/>
                     </a:p>
@@ -7089,7 +7747,6 @@
                         <a:rPr lang="en-AU" dirty="0"/>
                         <a:t>Xtest_rfc_50</a:t>
                       </a:r>
-                      <a:endParaRPr lang="en-AU" dirty="0"/>
                     </a:p>
                   </a:txBody>
                   <a:tcPr/>
@@ -7107,7 +7764,6 @@
                         <a:rPr lang="en-AU" dirty="0"/>
                         <a:t>33</a:t>
                       </a:r>
-                      <a:endParaRPr lang="en-AU" dirty="0"/>
                     </a:p>
                   </a:txBody>
                   <a:tcPr/>
@@ -7164,7 +7820,6 @@
                         <a:rPr lang="en-AU" dirty="0"/>
                         <a:t>  [2387 5762]]</a:t>
                       </a:r>
-                      <a:endParaRPr lang="en-AU" dirty="0"/>
                     </a:p>
                   </a:txBody>
                   <a:tcPr/>
@@ -7184,7 +7839,6 @@
                         <a:rPr lang="en-AU" dirty="0"/>
                         <a:t>    [ 7903 18781]]</a:t>
                       </a:r>
-                      <a:endParaRPr lang="en-AU" dirty="0"/>
                     </a:p>
                   </a:txBody>
                   <a:tcPr/>
@@ -7204,7 +7858,6 @@
                         <a:rPr lang="en-AU" dirty="0"/>
                         <a:t>   [ 4710 11462]]</a:t>
                       </a:r>
-                      <a:endParaRPr lang="en-AU" dirty="0"/>
                     </a:p>
                   </a:txBody>
                   <a:tcPr/>
@@ -7337,7 +7990,7 @@
 </p:sld>
 </file>
 
-<file path=ppt/slides/slide14.xml><?xml version="1.0" encoding="utf-8"?>
+<file path=ppt/slides/slide15.xml><?xml version="1.0" encoding="utf-8"?>
 <p:sld xmlns:a="http://schemas.openxmlformats.org/drawingml/2006/main" xmlns:r="http://schemas.openxmlformats.org/officeDocument/2006/relationships" xmlns:p="http://schemas.openxmlformats.org/presentationml/2006/main">
   <p:cSld>
     <p:spTree>
@@ -7441,7 +8094,7 @@
 </p:sld>
 </file>
 
-<file path=ppt/slides/slide15.xml><?xml version="1.0" encoding="utf-8"?>
+<file path=ppt/slides/slide16.xml><?xml version="1.0" encoding="utf-8"?>
 <p:sld xmlns:a="http://schemas.openxmlformats.org/drawingml/2006/main" xmlns:r="http://schemas.openxmlformats.org/officeDocument/2006/relationships" xmlns:p="http://schemas.openxmlformats.org/presentationml/2006/main">
   <p:cSld>
     <p:spTree>
@@ -7550,7 +8203,7 @@
           <p:nvPr>
             <p:extLst>
               <p:ext uri="{D42A27DB-BD31-4B8C-83A1-F6EECF244321}">
-                <p14:modId xmlns:p14="http://schemas.microsoft.com/office/powerpoint/2010/main" val="2680440973"/>
+                <p14:modId xmlns:p14="http://schemas.microsoft.com/office/powerpoint/2010/main" val="3323521821"/>
               </p:ext>
             </p:extLst>
           </p:nvPr>
@@ -7613,7 +8266,7 @@
                     <a:p>
                       <a:r>
                         <a:rPr lang="en-US" dirty="0"/>
-                        <a:t>BEST PRAMS</a:t>
+                        <a:t>BEST PARAMS</a:t>
                       </a:r>
                       <a:endParaRPr lang="en-AU" dirty="0"/>
                     </a:p>
@@ -7794,7 +8447,6 @@
                         <a:rPr lang="en-AU" dirty="0"/>
                         <a:t>Xtest_rfc_50</a:t>
                       </a:r>
-                      <a:endParaRPr lang="en-AU" dirty="0"/>
                     </a:p>
                   </a:txBody>
                   <a:tcPr/>
@@ -7812,7 +8464,6 @@
                         <a:rPr lang="en-AU" dirty="0"/>
                         <a:t>50</a:t>
                       </a:r>
-                      <a:endParaRPr lang="en-AU" dirty="0"/>
                     </a:p>
                   </a:txBody>
                   <a:tcPr/>
@@ -7997,7 +8648,7 @@
 </p:sld>
 </file>
 
-<file path=ppt/slides/slide16.xml><?xml version="1.0" encoding="utf-8"?>
+<file path=ppt/slides/slide17.xml><?xml version="1.0" encoding="utf-8"?>
 <p:sld xmlns:a="http://schemas.openxmlformats.org/drawingml/2006/main" xmlns:r="http://schemas.openxmlformats.org/officeDocument/2006/relationships" xmlns:p="http://schemas.openxmlformats.org/presentationml/2006/main">
   <p:cSld>
     <p:spTree>
@@ -8099,7 +8750,7 @@
 </p:sld>
 </file>
 
-<file path=ppt/slides/slide17.xml><?xml version="1.0" encoding="utf-8"?>
+<file path=ppt/slides/slide18.xml><?xml version="1.0" encoding="utf-8"?>
 <p:sld xmlns:a="http://schemas.openxmlformats.org/drawingml/2006/main" xmlns:r="http://schemas.openxmlformats.org/officeDocument/2006/relationships" xmlns:p="http://schemas.openxmlformats.org/presentationml/2006/main">
   <p:cSld>
     <p:spTree>
@@ -8224,7 +8875,6 @@
                         <a:rPr lang="en-AU" dirty="0"/>
                         <a:t>Sample Size</a:t>
                       </a:r>
-                      <a:endParaRPr lang="en-AU" dirty="0"/>
                     </a:p>
                   </a:txBody>
                   <a:tcPr/>
@@ -8238,7 +8888,6 @@
                         <a:rPr lang="en-AU" dirty="0"/>
                         <a:t>Training Accuracy</a:t>
                       </a:r>
-                      <a:endParaRPr lang="en-AU" dirty="0"/>
                     </a:p>
                   </a:txBody>
                   <a:tcPr/>
@@ -8252,7 +8901,6 @@
                         <a:rPr lang="en-AU" dirty="0"/>
                         <a:t>Test Accuracy</a:t>
                       </a:r>
-                      <a:endParaRPr lang="en-AU" dirty="0"/>
                     </a:p>
                   </a:txBody>
                   <a:tcPr/>
@@ -8266,7 +8914,6 @@
                         <a:rPr lang="en-AU" dirty="0"/>
                         <a:t>Predicted CTR</a:t>
                       </a:r>
-                      <a:endParaRPr lang="en-AU" dirty="0"/>
                     </a:p>
                   </a:txBody>
                   <a:tcPr/>
@@ -8287,7 +8934,6 @@
                         <a:rPr lang="en-AU" dirty="0"/>
                         <a:t>Small Sample</a:t>
                       </a:r>
-                      <a:endParaRPr lang="en-AU" dirty="0"/>
                     </a:p>
                   </a:txBody>
                   <a:tcPr/>
@@ -8301,7 +8947,6 @@
                         <a:rPr lang="en-AU" dirty="0"/>
                         <a:t>0.2% of training data</a:t>
                       </a:r>
-                      <a:endParaRPr lang="en-AU" dirty="0"/>
                     </a:p>
                   </a:txBody>
                   <a:tcPr/>
@@ -8315,7 +8960,6 @@
                         <a:rPr lang="en-AU" dirty="0"/>
                         <a:t>70%</a:t>
                       </a:r>
-                      <a:endParaRPr lang="en-AU" dirty="0"/>
                     </a:p>
                   </a:txBody>
                   <a:tcPr/>
@@ -8329,7 +8973,6 @@
                         <a:rPr lang="en-AU" dirty="0"/>
                         <a:t>66%</a:t>
                       </a:r>
-                      <a:endParaRPr lang="en-AU" dirty="0"/>
                     </a:p>
                   </a:txBody>
                   <a:tcPr/>
@@ -8343,7 +8986,6 @@
                         <a:rPr lang="en-AU" dirty="0"/>
                         <a:t>35.11%</a:t>
                       </a:r>
-                      <a:endParaRPr lang="en-AU" dirty="0"/>
                     </a:p>
                   </a:txBody>
                   <a:tcPr/>
@@ -8378,7 +9020,6 @@
                         <a:rPr lang="en-AU" dirty="0"/>
                         <a:t>3.4% of training data</a:t>
                       </a:r>
-                      <a:endParaRPr lang="en-AU" dirty="0"/>
                     </a:p>
                   </a:txBody>
                   <a:tcPr/>
@@ -8473,7 +9114,7 @@
             </a:pPr>
             <a:r>
               <a:rPr lang="en-US" dirty="0"/>
-              <a:t>Local computer had 8 GB RAM and 2 Cores (4 logical processors)</a:t>
+              <a:t>Local computer had 8 GB RAM and 2 Cores (4 logical processors).</a:t>
             </a:r>
           </a:p>
           <a:p>
@@ -8483,7 +9124,7 @@
             </a:pPr>
             <a:r>
               <a:rPr lang="en-US" dirty="0"/>
-              <a:t>Server had 64 GB RAM and 16 CPU</a:t>
+              <a:t>Server had 64 GB RAM and 16 CPU.</a:t>
             </a:r>
             <a:endParaRPr lang="en-AU" dirty="0"/>
           </a:p>
@@ -8493,160 +9134,6 @@
     <p:extLst>
       <p:ext uri="{BB962C8B-B14F-4D97-AF65-F5344CB8AC3E}">
         <p14:creationId xmlns:p14="http://schemas.microsoft.com/office/powerpoint/2010/main" val="649631190"/>
-      </p:ext>
-    </p:extLst>
-  </p:cSld>
-  <p:clrMapOvr>
-    <a:masterClrMapping/>
-  </p:clrMapOvr>
-</p:sld>
-</file>
-
-<file path=ppt/slides/slide18.xml><?xml version="1.0" encoding="utf-8"?>
-<p:sld xmlns:a="http://schemas.openxmlformats.org/drawingml/2006/main" xmlns:r="http://schemas.openxmlformats.org/officeDocument/2006/relationships" xmlns:p="http://schemas.openxmlformats.org/presentationml/2006/main">
-  <p:cSld>
-    <p:spTree>
-      <p:nvGrpSpPr>
-        <p:cNvPr id="1" name=""/>
-        <p:cNvGrpSpPr/>
-        <p:nvPr/>
-      </p:nvGrpSpPr>
-      <p:grpSpPr>
-        <a:xfrm>
-          <a:off x="0" y="0"/>
-          <a:ext cx="0" cy="0"/>
-          <a:chOff x="0" y="0"/>
-          <a:chExt cx="0" cy="0"/>
-        </a:xfrm>
-      </p:grpSpPr>
-      <p:sp>
-        <p:nvSpPr>
-          <p:cNvPr id="2" name="Title 1"/>
-          <p:cNvSpPr>
-            <a:spLocks noGrp="1"/>
-          </p:cNvSpPr>
-          <p:nvPr>
-            <p:ph type="title"/>
-          </p:nvPr>
-        </p:nvSpPr>
-        <p:spPr/>
-        <p:txBody>
-          <a:bodyPr/>
-          <a:lstStyle/>
-          <a:p>
-            <a:r>
-              <a:rPr lang="en-US" dirty="0"/>
-              <a:t>Conclusion</a:t>
-            </a:r>
-            <a:endParaRPr lang="en-AU" dirty="0"/>
-          </a:p>
-        </p:txBody>
-      </p:sp>
-      <p:sp>
-        <p:nvSpPr>
-          <p:cNvPr id="3" name="Content Placeholder 2"/>
-          <p:cNvSpPr>
-            <a:spLocks noGrp="1"/>
-          </p:cNvSpPr>
-          <p:nvPr>
-            <p:ph idx="1"/>
-          </p:nvPr>
-        </p:nvSpPr>
-        <p:spPr/>
-        <p:txBody>
-          <a:bodyPr/>
-          <a:lstStyle/>
-          <a:p>
-            <a:r>
-              <a:rPr lang="en-AU" sz="2800" b="1" dirty="0" err="1"/>
-              <a:t>RandomForest</a:t>
-            </a:r>
-            <a:r>
-              <a:rPr lang="en-AU" sz="2800" b="1" dirty="0"/>
-              <a:t> Classifier</a:t>
-            </a:r>
-            <a:r>
-              <a:rPr lang="en-AU" sz="2800" dirty="0"/>
-              <a:t> trained with </a:t>
-            </a:r>
-            <a:r>
-              <a:rPr lang="en-AU" sz="2800" dirty="0" err="1"/>
-              <a:t>with</a:t>
-            </a:r>
-            <a:r>
-              <a:rPr lang="en-AU" sz="2800" dirty="0"/>
-              <a:t> 50-50 balanced sample perform the best among </a:t>
-            </a:r>
-            <a:r>
-              <a:rPr lang="en-AU" sz="2800" dirty="0" err="1"/>
-              <a:t>LogisticRegresson</a:t>
-            </a:r>
-            <a:r>
-              <a:rPr lang="en-AU" sz="2800" dirty="0"/>
-              <a:t>, </a:t>
-            </a:r>
-            <a:r>
-              <a:rPr lang="en-AU" sz="2800" dirty="0" err="1"/>
-              <a:t>SGDClassifier</a:t>
-            </a:r>
-            <a:r>
-              <a:rPr lang="en-AU" sz="2800" dirty="0"/>
-              <a:t> and </a:t>
-            </a:r>
-            <a:r>
-              <a:rPr lang="en-AU" sz="2800" dirty="0" err="1"/>
-              <a:t>RandomForest</a:t>
-            </a:r>
-            <a:r>
-              <a:rPr lang="en-AU" sz="2800" dirty="0"/>
-              <a:t> Classifier.</a:t>
-            </a:r>
-          </a:p>
-          <a:p>
-            <a:r>
-              <a:rPr lang="en-AU" sz="2800" dirty="0"/>
-              <a:t>Predicted </a:t>
-            </a:r>
-            <a:r>
-              <a:rPr lang="en-AU" sz="2800" b="1" dirty="0"/>
-              <a:t>CTR</a:t>
-            </a:r>
-            <a:r>
-              <a:rPr lang="en-AU" sz="2800" dirty="0"/>
-              <a:t> of the </a:t>
-            </a:r>
-            <a:r>
-              <a:rPr lang="en-AU" sz="2800" b="1" dirty="0"/>
-              <a:t>TEST DATA</a:t>
-            </a:r>
-            <a:r>
-              <a:rPr lang="en-AU" sz="2800" dirty="0"/>
-              <a:t> is </a:t>
-            </a:r>
-            <a:r>
-              <a:rPr lang="en-AU" sz="2800" b="1" dirty="0"/>
-              <a:t>35%</a:t>
-            </a:r>
-            <a:r>
-              <a:rPr lang="en-AU" sz="2800" dirty="0"/>
-              <a:t>.</a:t>
-            </a:r>
-          </a:p>
-          <a:p>
-            <a:r>
-              <a:rPr lang="en-AU" sz="2800" dirty="0"/>
-              <a:t>The results from small samples are comparable with large sample.</a:t>
-            </a:r>
-          </a:p>
-          <a:p>
-            <a:endParaRPr lang="en-AU" dirty="0"/>
-          </a:p>
-        </p:txBody>
-      </p:sp>
-    </p:spTree>
-    <p:extLst>
-      <p:ext uri="{BB962C8B-B14F-4D97-AF65-F5344CB8AC3E}">
-        <p14:creationId xmlns:p14="http://schemas.microsoft.com/office/powerpoint/2010/main" val="2482153008"/>
       </p:ext>
     </p:extLst>
   </p:cSld>
@@ -8690,7 +9177,7 @@
           <a:p>
             <a:r>
               <a:rPr lang="en-US" dirty="0"/>
-              <a:t>Key LEARNINGS</a:t>
+              <a:t>Conclusion</a:t>
             </a:r>
             <a:endParaRPr lang="en-AU" dirty="0"/>
           </a:p>
@@ -8708,66 +9195,79 @@
         </p:nvSpPr>
         <p:spPr/>
         <p:txBody>
-          <a:bodyPr>
-            <a:normAutofit/>
-          </a:bodyPr>
+          <a:bodyPr/>
           <a:lstStyle/>
           <a:p>
             <a:r>
-              <a:rPr lang="en-AU" sz="2400" dirty="0"/>
-              <a:t>Work with complex data set.</a:t>
-            </a:r>
-          </a:p>
-          <a:p>
-            <a:r>
-              <a:rPr lang="en-AU" sz="2400" dirty="0"/>
-              <a:t>Use different classifiers from </a:t>
-            </a:r>
-            <a:r>
-              <a:rPr lang="en-AU" sz="2400" dirty="0" err="1"/>
-              <a:t>sklearn</a:t>
-            </a:r>
-            <a:r>
-              <a:rPr lang="en-AU" sz="2400" dirty="0"/>
-              <a:t> module / library.</a:t>
-            </a:r>
-          </a:p>
-          <a:p>
-            <a:r>
-              <a:rPr lang="en-AU" sz="2400" dirty="0"/>
-              <a:t>Find an appropriate classifier on the hand.</a:t>
-            </a:r>
-          </a:p>
-          <a:p>
-            <a:r>
-              <a:rPr lang="en-AU" sz="2400" dirty="0"/>
-              <a:t>Tune the model so that training accuracy and cross validation accuracy match.</a:t>
-            </a:r>
-          </a:p>
-          <a:p>
-            <a:r>
-              <a:rPr lang="en-AU" sz="2400" dirty="0"/>
-              <a:t>Find an acceptable solution that can be used on limited resources.</a:t>
-            </a:r>
-          </a:p>
-          <a:p>
-            <a:r>
-              <a:rPr lang="en-AU" sz="2400" dirty="0"/>
-              <a:t>Use servers in cloud compute solutions like Amazon AWS for modelling with large data-set.</a:t>
-            </a:r>
-          </a:p>
-          <a:p>
-            <a:pPr marL="0" indent="0">
-              <a:buNone/>
-            </a:pPr>
-            <a:endParaRPr lang="en-AU" sz="2400" dirty="0"/>
+              <a:rPr lang="en-AU" sz="2800" b="1" dirty="0"/>
+              <a:t>Random Forest Classifier</a:t>
+            </a:r>
+            <a:r>
+              <a:rPr lang="en-AU" sz="2800" dirty="0"/>
+              <a:t> trained with </a:t>
+            </a:r>
+            <a:r>
+              <a:rPr lang="en-AU" sz="2800" dirty="0" err="1"/>
+              <a:t>with</a:t>
+            </a:r>
+            <a:r>
+              <a:rPr lang="en-AU" sz="2800" dirty="0"/>
+              <a:t> 50-50 balanced sample performed the best among Logistic </a:t>
+            </a:r>
+            <a:r>
+              <a:rPr lang="en-AU" sz="2800" dirty="0" err="1"/>
+              <a:t>Regresson</a:t>
+            </a:r>
+            <a:r>
+              <a:rPr lang="en-AU" sz="2800" dirty="0"/>
+              <a:t>, SGD Classifier and Random Forest Classifier.</a:t>
+            </a:r>
+          </a:p>
+          <a:p>
+            <a:r>
+              <a:rPr lang="en-AU" sz="2800" dirty="0"/>
+              <a:t>Predicted </a:t>
+            </a:r>
+            <a:r>
+              <a:rPr lang="en-AU" sz="2800" b="1" dirty="0"/>
+              <a:t>CTR</a:t>
+            </a:r>
+            <a:r>
+              <a:rPr lang="en-AU" sz="2800" dirty="0"/>
+              <a:t> of the </a:t>
+            </a:r>
+            <a:r>
+              <a:rPr lang="en-AU" sz="2800" b="1" dirty="0"/>
+              <a:t>TEST DATA</a:t>
+            </a:r>
+            <a:r>
+              <a:rPr lang="en-AU" sz="2800" dirty="0"/>
+              <a:t> is </a:t>
+            </a:r>
+            <a:r>
+              <a:rPr lang="en-AU" sz="2800" b="1" dirty="0"/>
+              <a:t>35%</a:t>
+            </a:r>
+            <a:r>
+              <a:rPr lang="en-AU" sz="2800" dirty="0"/>
+              <a:t>.</a:t>
+            </a:r>
+          </a:p>
+          <a:p>
+            <a:r>
+              <a:rPr lang="en-AU" sz="2800" dirty="0"/>
+              <a:t>The results from small samples are comparable with large sample.</a:t>
+            </a:r>
+          </a:p>
+          <a:p>
+            <a:endParaRPr lang="en-AU" dirty="0"/>
           </a:p>
         </p:txBody>
       </p:sp>
     </p:spTree>
     <p:extLst>
       <p:ext uri="{BB962C8B-B14F-4D97-AF65-F5344CB8AC3E}">
-        <p14:creationId xmlns:p14="http://schemas.microsoft.com/office/powerpoint/2010/main" val="3056548429"/>
+        <p14:creationId xmlns:p14="http://schemas.microsoft.com/office/powerpoint/2010/main" val="2482153008"/>
       </p:ext>
     </p:extLst>
   </p:cSld>
@@ -8857,13 +9357,7 @@
               <a:rPr lang="en-AU" sz="2400" dirty="0">
                 <a:hlinkClick r:id="rId2"/>
               </a:rPr>
-              <a:t> </a:t>
-            </a:r>
-            <a:r>
-              <a:rPr lang="en-AU" sz="2400" dirty="0" err="1">
-                <a:hlinkClick r:id="rId2"/>
-              </a:rPr>
-              <a:t>Competetion</a:t>
+              <a:t> Competition</a:t>
             </a:r>
             <a:r>
               <a:rPr lang="en-AU" sz="2400" dirty="0"/>
@@ -8964,7 +9458,7 @@
           <a:p>
             <a:r>
               <a:rPr lang="en-US" dirty="0"/>
-              <a:t>FUTURE WORK</a:t>
+              <a:t>Key LEARNING</a:t>
             </a:r>
             <a:endParaRPr lang="en-AU" dirty="0"/>
           </a:p>
@@ -8988,6 +9482,127 @@
           <a:lstStyle/>
           <a:p>
             <a:r>
+              <a:rPr lang="en-AU" sz="2400" dirty="0"/>
+              <a:t>Work with complex data-set.</a:t>
+            </a:r>
+          </a:p>
+          <a:p>
+            <a:r>
+              <a:rPr lang="en-AU" sz="2400" dirty="0"/>
+              <a:t>Use different classifiers from </a:t>
+            </a:r>
+            <a:r>
+              <a:rPr lang="en-AU" sz="2400" dirty="0" err="1"/>
+              <a:t>sklearn</a:t>
+            </a:r>
+            <a:r>
+              <a:rPr lang="en-AU" sz="2400" dirty="0"/>
+              <a:t> module / library.</a:t>
+            </a:r>
+          </a:p>
+          <a:p>
+            <a:r>
+              <a:rPr lang="en-AU" sz="2400" dirty="0"/>
+              <a:t>Find an appropriate classifier for problem on hand.</a:t>
+            </a:r>
+          </a:p>
+          <a:p>
+            <a:r>
+              <a:rPr lang="en-AU" sz="2400" dirty="0"/>
+              <a:t>Tune the model so that training accuracy and cross validation accuracy match.</a:t>
+            </a:r>
+          </a:p>
+          <a:p>
+            <a:r>
+              <a:rPr lang="en-AU" sz="2400" dirty="0"/>
+              <a:t>Find an acceptable solution that can be used on limited resources.</a:t>
+            </a:r>
+          </a:p>
+          <a:p>
+            <a:r>
+              <a:rPr lang="en-AU" sz="2400" dirty="0"/>
+              <a:t>Use servers in cloud compute solutions like Amazon AWS for modelling with large data-set.</a:t>
+            </a:r>
+          </a:p>
+          <a:p>
+            <a:pPr marL="0" indent="0">
+              <a:buNone/>
+            </a:pPr>
+            <a:endParaRPr lang="en-AU" sz="2400" dirty="0"/>
+          </a:p>
+        </p:txBody>
+      </p:sp>
+    </p:spTree>
+    <p:extLst>
+      <p:ext uri="{BB962C8B-B14F-4D97-AF65-F5344CB8AC3E}">
+        <p14:creationId xmlns:p14="http://schemas.microsoft.com/office/powerpoint/2010/main" val="3056548429"/>
+      </p:ext>
+    </p:extLst>
+  </p:cSld>
+  <p:clrMapOvr>
+    <a:masterClrMapping/>
+  </p:clrMapOvr>
+</p:sld>
+</file>
+
+<file path=ppt/slides/slide21.xml><?xml version="1.0" encoding="utf-8"?>
+<p:sld xmlns:a="http://schemas.openxmlformats.org/drawingml/2006/main" xmlns:r="http://schemas.openxmlformats.org/officeDocument/2006/relationships" xmlns:p="http://schemas.openxmlformats.org/presentationml/2006/main">
+  <p:cSld>
+    <p:spTree>
+      <p:nvGrpSpPr>
+        <p:cNvPr id="1" name=""/>
+        <p:cNvGrpSpPr/>
+        <p:nvPr/>
+      </p:nvGrpSpPr>
+      <p:grpSpPr>
+        <a:xfrm>
+          <a:off x="0" y="0"/>
+          <a:ext cx="0" cy="0"/>
+          <a:chOff x="0" y="0"/>
+          <a:chExt cx="0" cy="0"/>
+        </a:xfrm>
+      </p:grpSpPr>
+      <p:sp>
+        <p:nvSpPr>
+          <p:cNvPr id="2" name="Title 1"/>
+          <p:cNvSpPr>
+            <a:spLocks noGrp="1"/>
+          </p:cNvSpPr>
+          <p:nvPr>
+            <p:ph type="title"/>
+          </p:nvPr>
+        </p:nvSpPr>
+        <p:spPr/>
+        <p:txBody>
+          <a:bodyPr/>
+          <a:lstStyle/>
+          <a:p>
+            <a:r>
+              <a:rPr lang="en-US" dirty="0"/>
+              <a:t>FUTURE WORK</a:t>
+            </a:r>
+            <a:endParaRPr lang="en-AU" dirty="0"/>
+          </a:p>
+        </p:txBody>
+      </p:sp>
+      <p:sp>
+        <p:nvSpPr>
+          <p:cNvPr id="3" name="Content Placeholder 2"/>
+          <p:cNvSpPr>
+            <a:spLocks noGrp="1"/>
+          </p:cNvSpPr>
+          <p:nvPr>
+            <p:ph idx="1"/>
+          </p:nvPr>
+        </p:nvSpPr>
+        <p:spPr/>
+        <p:txBody>
+          <a:bodyPr>
+            <a:normAutofit/>
+          </a:bodyPr>
+          <a:lstStyle/>
+          <a:p>
+            <a:r>
               <a:rPr lang="en-AU" sz="3200" dirty="0"/>
               <a:t>The accuracy of the Random Forest Classifier could be improved.</a:t>
             </a:r>
@@ -9003,11 +9618,7 @@
             <a:pPr lvl="1"/>
             <a:r>
               <a:rPr lang="en-AU" sz="3200" dirty="0"/>
-              <a:t>Increase</a:t>
-            </a:r>
-            <a:r>
-              <a:rPr lang="en-AU" sz="3200" dirty="0"/>
-              <a:t> weights of certain features.</a:t>
+              <a:t>Increase weights of certain features.</a:t>
             </a:r>
           </a:p>
           <a:p>
@@ -9015,7 +9626,6 @@
               <a:rPr lang="en-AU" sz="3200" dirty="0"/>
               <a:t>Use different ensemble classifier.</a:t>
             </a:r>
-            <a:endParaRPr lang="en-AU" sz="3200" dirty="0"/>
           </a:p>
         </p:txBody>
       </p:sp>
@@ -9032,7 +9642,106 @@
 </p:sld>
 </file>
 
-<file path=ppt/slides/slide21.xml><?xml version="1.0" encoding="utf-8"?>
+<file path=ppt/slides/slide22.xml><?xml version="1.0" encoding="utf-8"?>
+<p:sld xmlns:a="http://schemas.openxmlformats.org/drawingml/2006/main" xmlns:r="http://schemas.openxmlformats.org/officeDocument/2006/relationships" xmlns:p="http://schemas.openxmlformats.org/presentationml/2006/main">
+  <p:cSld>
+    <p:spTree>
+      <p:nvGrpSpPr>
+        <p:cNvPr id="1" name=""/>
+        <p:cNvGrpSpPr/>
+        <p:nvPr/>
+      </p:nvGrpSpPr>
+      <p:grpSpPr>
+        <a:xfrm>
+          <a:off x="0" y="0"/>
+          <a:ext cx="0" cy="0"/>
+          <a:chOff x="0" y="0"/>
+          <a:chExt cx="0" cy="0"/>
+        </a:xfrm>
+      </p:grpSpPr>
+      <p:sp>
+        <p:nvSpPr>
+          <p:cNvPr id="2" name="Title 1"/>
+          <p:cNvSpPr>
+            <a:spLocks noGrp="1"/>
+          </p:cNvSpPr>
+          <p:nvPr>
+            <p:ph type="title"/>
+          </p:nvPr>
+        </p:nvSpPr>
+        <p:spPr/>
+        <p:txBody>
+          <a:bodyPr/>
+          <a:lstStyle/>
+          <a:p>
+            <a:r>
+              <a:rPr lang="en-US" dirty="0"/>
+              <a:t>Project </a:t>
+            </a:r>
+            <a:r>
+              <a:rPr lang="en-US" dirty="0" err="1"/>
+              <a:t>jupyter</a:t>
+            </a:r>
+            <a:r>
+              <a:rPr lang="en-US" dirty="0"/>
+              <a:t> notebook</a:t>
+            </a:r>
+            <a:endParaRPr lang="en-AU" dirty="0"/>
+          </a:p>
+        </p:txBody>
+      </p:sp>
+      <p:sp>
+        <p:nvSpPr>
+          <p:cNvPr id="3" name="Content Placeholder 2"/>
+          <p:cNvSpPr>
+            <a:spLocks noGrp="1"/>
+          </p:cNvSpPr>
+          <p:nvPr>
+            <p:ph idx="1"/>
+          </p:nvPr>
+        </p:nvSpPr>
+        <p:spPr/>
+        <p:txBody>
+          <a:bodyPr>
+            <a:normAutofit/>
+          </a:bodyPr>
+          <a:lstStyle/>
+          <a:p>
+            <a:pPr marL="0" indent="0" algn="ctr">
+              <a:buNone/>
+            </a:pPr>
+            <a:r>
+              <a:rPr lang="en-US" sz="7200" dirty="0"/>
+              <a:t>Located </a:t>
+            </a:r>
+            <a:r>
+              <a:rPr lang="en-US" sz="7200" dirty="0">
+                <a:hlinkClick r:id="rId2"/>
+              </a:rPr>
+              <a:t>here</a:t>
+            </a:r>
+            <a:r>
+              <a:rPr lang="en-US" sz="7200" dirty="0"/>
+              <a:t>!</a:t>
+            </a:r>
+            <a:endParaRPr lang="en-AU" sz="7200" dirty="0"/>
+          </a:p>
+        </p:txBody>
+      </p:sp>
+    </p:spTree>
+    <p:extLst>
+      <p:ext uri="{BB962C8B-B14F-4D97-AF65-F5344CB8AC3E}">
+        <p14:creationId xmlns:p14="http://schemas.microsoft.com/office/powerpoint/2010/main" val="1011303085"/>
+      </p:ext>
+    </p:extLst>
+  </p:cSld>
+  <p:clrMapOvr>
+    <a:masterClrMapping/>
+  </p:clrMapOvr>
+</p:sld>
+</file>
+
+<file path=ppt/slides/slide23.xml><?xml version="1.0" encoding="utf-8"?>
 <p:sld xmlns:a="http://schemas.openxmlformats.org/drawingml/2006/main" xmlns:r="http://schemas.openxmlformats.org/officeDocument/2006/relationships" xmlns:p="http://schemas.openxmlformats.org/presentationml/2006/main">
   <p:cSld>
     <p:spTree>
@@ -9154,7 +9863,7 @@
           <a:p>
             <a:r>
               <a:rPr lang="en-US" sz="2800" dirty="0"/>
-              <a:t>Click-Through-Rate is key matric for evaluating for ad performance in internet economy.</a:t>
+              <a:t>Click-Through-Rate is a key matric for evaluating ad performance in internet economy.</a:t>
             </a:r>
           </a:p>
           <a:p>
@@ -9172,13 +9881,13 @@
           <a:p>
             <a:r>
               <a:rPr lang="en-US" sz="2800" dirty="0"/>
-              <a:t>Provides opportunity to apply all learnings during the workshop.</a:t>
+              <a:t>Provides opportunity to apply the course learning.</a:t>
             </a:r>
           </a:p>
           <a:p>
             <a:r>
               <a:rPr lang="en-US" sz="2800" dirty="0"/>
-              <a:t>The project is for my learnings!</a:t>
+              <a:t>The project is for my learning!</a:t>
             </a:r>
             <a:endParaRPr lang="en-AU" sz="2800" dirty="0"/>
           </a:p>
@@ -9259,7 +9968,7 @@
           <a:p>
             <a:r>
               <a:rPr lang="en-US" dirty="0"/>
-              <a:t>Training and Test Data-Set is available on </a:t>
+              <a:t>Training and Test data-set is available on </a:t>
             </a:r>
             <a:r>
               <a:rPr lang="en-US" dirty="0" err="1">
@@ -9299,7 +10008,7 @@
           <a:p>
             <a:r>
               <a:rPr lang="en-US" dirty="0"/>
-              <a:t>Click-Through-Rate of training data set is about 17%.</a:t>
+              <a:t>Click-Through-Rate of training data-set is about 17%.</a:t>
             </a:r>
           </a:p>
           <a:p>
@@ -9311,7 +10020,7 @@
           <a:p>
             <a:r>
               <a:rPr lang="en-US" dirty="0"/>
-              <a:t>Id filed will not be used for the modeling.</a:t>
+              <a:t>Id field will not be used for modeling.</a:t>
             </a:r>
           </a:p>
           <a:p>
@@ -9533,7 +10242,6 @@
               <a:rPr lang="en-AU" dirty="0"/>
               <a:t>C14-C21 -- anonymized categorical variables</a:t>
             </a:r>
-            <a:endParaRPr lang="en-AU" dirty="0"/>
           </a:p>
         </p:txBody>
       </p:sp>
@@ -9586,7 +10294,6 @@
               <a:rPr lang="en-AU" dirty="0"/>
               <a:t>Anonymized Categorical Variables</a:t>
             </a:r>
-            <a:endParaRPr lang="en-AU" dirty="0"/>
           </a:p>
         </p:txBody>
       </p:sp>
@@ -9629,7 +10336,6 @@
               <a:rPr lang="en-AU" sz="2800" dirty="0"/>
               <a:t>Not knowing the name or significance of these fields, any data engineering could not be applied to these fields and they have to be taken as they are given.</a:t>
             </a:r>
-            <a:endParaRPr lang="en-AU" sz="2800" dirty="0"/>
           </a:p>
         </p:txBody>
       </p:sp>
@@ -9886,7 +10592,7 @@
           <a:p>
             <a:r>
               <a:rPr lang="en-US" sz="2400" dirty="0"/>
-              <a:t>Also, for class-imbalance problem, the sample should be the balanced.</a:t>
+              <a:t>For class-imbalance problem, the sample should be balanced.</a:t>
             </a:r>
           </a:p>
           <a:p>
@@ -9900,7 +10606,7 @@
             </a:r>
             <a:r>
               <a:rPr lang="en-US" sz="2400" dirty="0"/>
-              <a:t>-neg ratio) balanced sample should perform the best.</a:t>
+              <a:t>-neg proportion) balanced sample should perform the best.</a:t>
             </a:r>
             <a:endParaRPr lang="en-AU" sz="2400" dirty="0"/>
           </a:p>
@@ -9986,7 +10692,7 @@
             </a:pPr>
             <a:r>
               <a:rPr lang="en-US" dirty="0"/>
-              <a:t>On smaller sample of local computer:</a:t>
+              <a:t>With smaller sample on local computer:</a:t>
             </a:r>
           </a:p>
           <a:p>
@@ -10000,7 +10706,7 @@
             </a:r>
             <a:r>
               <a:rPr lang="en-US" dirty="0"/>
-              <a:t>-neg percent) samples.</a:t>
+              <a:t>-neg proportion) samples.</a:t>
             </a:r>
           </a:p>
           <a:p>
@@ -10020,7 +10726,7 @@
           <a:p>
             <a:r>
               <a:rPr lang="en-US" dirty="0"/>
-              <a:t>Based on the results from above classifiers, used the right sample for Random Classifier.</a:t>
+              <a:t>Based on the results from above classifiers, use the right sample for Random Classifier.</a:t>
             </a:r>
           </a:p>
           <a:p>
@@ -10040,7 +10746,7 @@
             </a:r>
             <a:r>
               <a:rPr lang="en-US" dirty="0"/>
-              <a:t> to try different parameters for the different classifiers.</a:t>
+              <a:t> to try different parameters for different classifiers.</a:t>
             </a:r>
           </a:p>
           <a:p>
@@ -10055,13 +10761,18 @@
           <a:p>
             <a:r>
               <a:rPr lang="en-US" dirty="0"/>
-              <a:t>Perform the same step as local machine with larger data-set for Random Forest Classifier  on a machine with bigger RAM.</a:t>
-            </a:r>
-          </a:p>
-          <a:p>
+              <a:t>Perform the same steps as local machine with larger data-set on a machine with bigger RAM to train </a:t>
+            </a:r>
             <a:r>
               <a:rPr lang="en-US" dirty="0"/>
-              <a:t>The results on server should co-relate with results on local computer.</a:t>
+              <a:t>Random Forest Classifier.</a:t>
+            </a:r>
+            <a:endParaRPr lang="en-US" dirty="0"/>
+          </a:p>
+          <a:p>
+            <a:r>
+              <a:rPr lang="en-US" dirty="0"/>
+              <a:t>The results on server should co-relate with the results on local computer.</a:t>
             </a:r>
             <a:endParaRPr lang="en-AU" dirty="0"/>
           </a:p>
@@ -10114,636 +10825,141 @@
           <a:p>
             <a:r>
               <a:rPr lang="en-US" dirty="0"/>
-              <a:t>Logistic Regression</a:t>
+              <a:t>glossary</a:t>
             </a:r>
             <a:endParaRPr lang="en-AU" dirty="0"/>
           </a:p>
         </p:txBody>
       </p:sp>
-      <p:graphicFrame>
-        <p:nvGraphicFramePr>
-          <p:cNvPr id="7" name="Table 6"/>
-          <p:cNvGraphicFramePr>
-            <a:graphicFrameLocks noGrp="1"/>
-          </p:cNvGraphicFramePr>
-          <p:nvPr>
-            <p:extLst>
-              <p:ext uri="{D42A27DB-BD31-4B8C-83A1-F6EECF244321}">
-                <p14:modId xmlns:p14="http://schemas.microsoft.com/office/powerpoint/2010/main" val="1700965226"/>
-              </p:ext>
-            </p:extLst>
-          </p:nvPr>
-        </p:nvGraphicFramePr>
-        <p:xfrm>
-          <a:off x="5517930" y="714419"/>
-          <a:ext cx="5051272" cy="2385164"/>
-        </p:xfrm>
-        <a:graphic>
-          <a:graphicData uri="http://schemas.openxmlformats.org/drawingml/2006/table">
-            <a:tbl>
-              <a:tblPr firstRow="1" bandRow="1">
-                <a:tableStyleId>{9D7B26C5-4107-4FEC-AEDC-1716B250A1EF}</a:tableStyleId>
-              </a:tblPr>
-              <a:tblGrid>
-                <a:gridCol w="954257">
-                  <a:extLst>
-                    <a:ext uri="{9D8B030D-6E8A-4147-A177-3AD203B41FA5}">
-                      <a16:colId xmlns:a16="http://schemas.microsoft.com/office/drawing/2014/main" val="2970211017"/>
-                    </a:ext>
-                  </a:extLst>
-                </a:gridCol>
-                <a:gridCol w="1488928">
-                  <a:extLst>
-                    <a:ext uri="{9D8B030D-6E8A-4147-A177-3AD203B41FA5}">
-                      <a16:colId xmlns:a16="http://schemas.microsoft.com/office/drawing/2014/main" val="996283866"/>
-                    </a:ext>
-                  </a:extLst>
-                </a:gridCol>
-                <a:gridCol w="1332406">
-                  <a:extLst>
-                    <a:ext uri="{9D8B030D-6E8A-4147-A177-3AD203B41FA5}">
-                      <a16:colId xmlns:a16="http://schemas.microsoft.com/office/drawing/2014/main" val="55030793"/>
-                    </a:ext>
-                  </a:extLst>
-                </a:gridCol>
-                <a:gridCol w="1275681">
-                  <a:extLst>
-                    <a:ext uri="{9D8B030D-6E8A-4147-A177-3AD203B41FA5}">
-                      <a16:colId xmlns:a16="http://schemas.microsoft.com/office/drawing/2014/main" val="3409787551"/>
-                    </a:ext>
-                  </a:extLst>
-                </a:gridCol>
-              </a:tblGrid>
-              <a:tr h="759071">
-                <a:tc>
-                  <a:txBody>
-                    <a:bodyPr/>
-                    <a:lstStyle/>
-                    <a:p>
-                      <a:endParaRPr lang="en-AU" dirty="0"/>
-                    </a:p>
-                  </a:txBody>
-                  <a:tcPr/>
-                </a:tc>
-                <a:tc>
-                  <a:txBody>
-                    <a:bodyPr/>
-                    <a:lstStyle/>
-                    <a:p>
-                      <a:r>
-                        <a:rPr lang="en-US" dirty="0"/>
-                        <a:t>BEST PRAMS</a:t>
-                      </a:r>
-                      <a:endParaRPr lang="en-AU" dirty="0"/>
-                    </a:p>
-                  </a:txBody>
-                  <a:tcPr/>
-                </a:tc>
-                <a:tc>
-                  <a:txBody>
-                    <a:bodyPr/>
-                    <a:lstStyle/>
-                    <a:p>
-                      <a:r>
-                        <a:rPr lang="en-US" dirty="0"/>
-                        <a:t>Training Accuracy</a:t>
-                      </a:r>
-                      <a:endParaRPr lang="en-AU" dirty="0"/>
-                    </a:p>
-                  </a:txBody>
-                  <a:tcPr/>
-                </a:tc>
-                <a:tc>
-                  <a:txBody>
-                    <a:bodyPr/>
-                    <a:lstStyle/>
-                    <a:p>
-                      <a:r>
-                        <a:rPr lang="en-US" dirty="0"/>
-                        <a:t>Test Accuracy</a:t>
-                      </a:r>
-                      <a:endParaRPr lang="en-AU" dirty="0"/>
-                    </a:p>
-                  </a:txBody>
-                  <a:tcPr/>
-                </a:tc>
-                <a:extLst>
-                  <a:ext uri="{0D108BD9-81ED-4DB2-BD59-A6C34878D82A}">
-                    <a16:rowId xmlns:a16="http://schemas.microsoft.com/office/drawing/2014/main" val="3320267811"/>
-                  </a:ext>
-                </a:extLst>
-              </a:tr>
-              <a:tr h="542031">
-                <a:tc>
-                  <a:txBody>
-                    <a:bodyPr/>
-                    <a:lstStyle/>
-                    <a:p>
-                      <a:r>
-                        <a:rPr lang="en-US" dirty="0"/>
-                        <a:t>LR50</a:t>
-                      </a:r>
-                      <a:endParaRPr lang="en-AU" dirty="0"/>
-                    </a:p>
-                  </a:txBody>
-                  <a:tcPr/>
-                </a:tc>
-                <a:tc>
-                  <a:txBody>
-                    <a:bodyPr/>
-                    <a:lstStyle/>
-                    <a:p>
-                      <a:r>
-                        <a:rPr lang="en-AU" dirty="0"/>
-                        <a:t>{'C': 0.1}</a:t>
-                      </a:r>
-                      <a:endParaRPr lang="en-AU" dirty="0"/>
-                    </a:p>
-                  </a:txBody>
-                  <a:tcPr/>
-                </a:tc>
-                <a:tc>
-                  <a:txBody>
-                    <a:bodyPr/>
-                    <a:lstStyle/>
-                    <a:p>
-                      <a:r>
-                        <a:rPr lang="en-US" dirty="0"/>
-                        <a:t>0.55</a:t>
-                      </a:r>
-                      <a:endParaRPr lang="en-AU" dirty="0"/>
-                    </a:p>
-                  </a:txBody>
-                  <a:tcPr/>
-                </a:tc>
-                <a:tc>
-                  <a:txBody>
-                    <a:bodyPr/>
-                    <a:lstStyle/>
-                    <a:p>
-                      <a:r>
-                        <a:rPr lang="en-US" dirty="0"/>
-                        <a:t>0.56</a:t>
-                      </a:r>
-                      <a:endParaRPr lang="en-AU" dirty="0"/>
-                    </a:p>
-                  </a:txBody>
-                  <a:tcPr/>
-                </a:tc>
-                <a:extLst>
-                  <a:ext uri="{0D108BD9-81ED-4DB2-BD59-A6C34878D82A}">
-                    <a16:rowId xmlns:a16="http://schemas.microsoft.com/office/drawing/2014/main" val="2898232993"/>
-                  </a:ext>
-                </a:extLst>
-              </a:tr>
-              <a:tr h="542031">
-                <a:tc>
-                  <a:txBody>
-                    <a:bodyPr/>
-                    <a:lstStyle/>
-                    <a:p>
-                      <a:r>
-                        <a:rPr lang="en-US" dirty="0"/>
-                        <a:t>LR33</a:t>
-                      </a:r>
-                      <a:endParaRPr lang="en-AU" dirty="0"/>
-                    </a:p>
-                  </a:txBody>
-                  <a:tcPr/>
-                </a:tc>
-                <a:tc>
-                  <a:txBody>
-                    <a:bodyPr/>
-                    <a:lstStyle/>
-                    <a:p>
-                      <a:r>
-                        <a:rPr lang="en-AU" dirty="0"/>
-                        <a:t>{'C': 0.01}</a:t>
-                      </a:r>
-                      <a:endParaRPr lang="en-AU" dirty="0"/>
-                    </a:p>
-                  </a:txBody>
-                  <a:tcPr/>
-                </a:tc>
-                <a:tc>
-                  <a:txBody>
-                    <a:bodyPr/>
-                    <a:lstStyle/>
-                    <a:p>
-                      <a:r>
-                        <a:rPr lang="en-US" dirty="0"/>
-                        <a:t>0.67</a:t>
-                      </a:r>
-                      <a:endParaRPr lang="en-AU" dirty="0"/>
-                    </a:p>
-                  </a:txBody>
-                  <a:tcPr/>
-                </a:tc>
-                <a:tc>
-                  <a:txBody>
-                    <a:bodyPr/>
-                    <a:lstStyle/>
-                    <a:p>
-                      <a:r>
-                        <a:rPr lang="en-US" dirty="0"/>
-                        <a:t>0.67</a:t>
-                      </a:r>
-                      <a:endParaRPr lang="en-AU" dirty="0"/>
-                    </a:p>
-                  </a:txBody>
-                  <a:tcPr/>
-                </a:tc>
-                <a:extLst>
-                  <a:ext uri="{0D108BD9-81ED-4DB2-BD59-A6C34878D82A}">
-                    <a16:rowId xmlns:a16="http://schemas.microsoft.com/office/drawing/2014/main" val="3803277906"/>
-                  </a:ext>
-                </a:extLst>
-              </a:tr>
-              <a:tr h="542031">
-                <a:tc>
-                  <a:txBody>
-                    <a:bodyPr/>
-                    <a:lstStyle/>
-                    <a:p>
-                      <a:r>
-                        <a:rPr lang="en-US" dirty="0"/>
-                        <a:t>LR20</a:t>
-                      </a:r>
-                      <a:endParaRPr lang="en-AU" dirty="0"/>
-                    </a:p>
-                  </a:txBody>
-                  <a:tcPr/>
-                </a:tc>
-                <a:tc>
-                  <a:txBody>
-                    <a:bodyPr/>
-                    <a:lstStyle/>
-                    <a:p>
-                      <a:r>
-                        <a:rPr lang="en-AU" dirty="0"/>
-                        <a:t>{'C': 0.01}</a:t>
-                      </a:r>
-                      <a:endParaRPr lang="en-AU" dirty="0"/>
-                    </a:p>
-                  </a:txBody>
-                  <a:tcPr/>
-                </a:tc>
-                <a:tc>
-                  <a:txBody>
-                    <a:bodyPr/>
-                    <a:lstStyle/>
-                    <a:p>
-                      <a:r>
-                        <a:rPr lang="en-US" dirty="0"/>
-                        <a:t>0.80</a:t>
-                      </a:r>
-                      <a:endParaRPr lang="en-AU" dirty="0"/>
-                    </a:p>
-                  </a:txBody>
-                  <a:tcPr/>
-                </a:tc>
-                <a:tc>
-                  <a:txBody>
-                    <a:bodyPr/>
-                    <a:lstStyle/>
-                    <a:p>
-                      <a:r>
-                        <a:rPr lang="en-US" dirty="0"/>
-                        <a:t>0.80</a:t>
-                      </a:r>
-                      <a:endParaRPr lang="en-AU" dirty="0"/>
-                    </a:p>
-                  </a:txBody>
-                  <a:tcPr/>
-                </a:tc>
-                <a:extLst>
-                  <a:ext uri="{0D108BD9-81ED-4DB2-BD59-A6C34878D82A}">
-                    <a16:rowId xmlns:a16="http://schemas.microsoft.com/office/drawing/2014/main" val="1535223190"/>
-                  </a:ext>
-                </a:extLst>
-              </a:tr>
-            </a:tbl>
-          </a:graphicData>
-        </a:graphic>
-      </p:graphicFrame>
-      <p:sp>
-        <p:nvSpPr>
-          <p:cNvPr id="10" name="TextBox 9"/>
-          <p:cNvSpPr txBox="1"/>
-          <p:nvPr/>
+      <p:sp>
+        <p:nvSpPr>
+          <p:cNvPr id="3" name="Content Placeholder 2"/>
+          <p:cNvSpPr>
+            <a:spLocks noGrp="1"/>
+          </p:cNvSpPr>
+          <p:nvPr>
+            <p:ph idx="1"/>
+          </p:nvPr>
         </p:nvSpPr>
         <p:spPr>
           <a:xfrm>
-            <a:off x="685801" y="1992763"/>
-            <a:ext cx="4207816" cy="461665"/>
+            <a:off x="685801" y="2142067"/>
+            <a:ext cx="10131425" cy="4574043"/>
           </a:xfrm>
-          <a:prstGeom prst="rect">
-            <a:avLst/>
-          </a:prstGeom>
-          <a:noFill/>
         </p:spPr>
         <p:txBody>
-          <a:bodyPr wrap="square" rtlCol="0">
-            <a:spAutoFit/>
+          <a:bodyPr>
+            <a:normAutofit/>
           </a:bodyPr>
           <a:lstStyle/>
           <a:p>
             <a:r>
-              <a:rPr lang="en-AU" sz="2400" b="1" dirty="0"/>
-              <a:t>C values</a:t>
-            </a:r>
-            <a:r>
-              <a:rPr lang="en-AU" sz="2400" dirty="0"/>
-              <a:t>: [0.001, 0.1, 1, 10, 100]</a:t>
-            </a:r>
-          </a:p>
-        </p:txBody>
-      </p:sp>
-      <p:graphicFrame>
-        <p:nvGraphicFramePr>
-          <p:cNvPr id="11" name="Table 10"/>
-          <p:cNvGraphicFramePr>
-            <a:graphicFrameLocks noGrp="1"/>
-          </p:cNvGraphicFramePr>
-          <p:nvPr>
-            <p:extLst>
-              <p:ext uri="{D42A27DB-BD31-4B8C-83A1-F6EECF244321}">
-                <p14:modId xmlns:p14="http://schemas.microsoft.com/office/powerpoint/2010/main" val="102920662"/>
-              </p:ext>
-            </p:extLst>
-          </p:nvPr>
-        </p:nvGraphicFramePr>
-        <p:xfrm>
-          <a:off x="991026" y="3744737"/>
-          <a:ext cx="9578176" cy="2288016"/>
-        </p:xfrm>
-        <a:graphic>
-          <a:graphicData uri="http://schemas.openxmlformats.org/drawingml/2006/table">
-            <a:tbl>
-              <a:tblPr firstRow="1" bandRow="1">
-                <a:tableStyleId>{9D7B26C5-4107-4FEC-AEDC-1716B250A1EF}</a:tableStyleId>
-              </a:tblPr>
-              <a:tblGrid>
-                <a:gridCol w="2394544">
-                  <a:extLst>
-                    <a:ext uri="{9D8B030D-6E8A-4147-A177-3AD203B41FA5}">
-                      <a16:colId xmlns:a16="http://schemas.microsoft.com/office/drawing/2014/main" val="2903087190"/>
-                    </a:ext>
-                  </a:extLst>
-                </a:gridCol>
-                <a:gridCol w="2394544">
-                  <a:extLst>
-                    <a:ext uri="{9D8B030D-6E8A-4147-A177-3AD203B41FA5}">
-                      <a16:colId xmlns:a16="http://schemas.microsoft.com/office/drawing/2014/main" val="2812770356"/>
-                    </a:ext>
-                  </a:extLst>
-                </a:gridCol>
-                <a:gridCol w="2394544">
-                  <a:extLst>
-                    <a:ext uri="{9D8B030D-6E8A-4147-A177-3AD203B41FA5}">
-                      <a16:colId xmlns:a16="http://schemas.microsoft.com/office/drawing/2014/main" val="3990837092"/>
-                    </a:ext>
-                  </a:extLst>
-                </a:gridCol>
-                <a:gridCol w="2394544">
-                  <a:extLst>
-                    <a:ext uri="{9D8B030D-6E8A-4147-A177-3AD203B41FA5}">
-                      <a16:colId xmlns:a16="http://schemas.microsoft.com/office/drawing/2014/main" val="842969964"/>
-                    </a:ext>
-                  </a:extLst>
-                </a:gridCol>
-              </a:tblGrid>
-              <a:tr h="762672">
-                <a:tc>
-                  <a:txBody>
-                    <a:bodyPr/>
-                    <a:lstStyle/>
-                    <a:p>
-                      <a:endParaRPr lang="en-AU" dirty="0"/>
-                    </a:p>
-                  </a:txBody>
-                  <a:tcPr/>
-                </a:tc>
-                <a:tc>
-                  <a:txBody>
-                    <a:bodyPr/>
-                    <a:lstStyle/>
-                    <a:p>
-                      <a:r>
-                        <a:rPr lang="en-AU" dirty="0"/>
-                        <a:t>LR</a:t>
-                      </a:r>
-                      <a:r>
-                        <a:rPr lang="en-AU" dirty="0"/>
-                        <a:t>50 + Xtest_</a:t>
-                      </a:r>
-                      <a:r>
-                        <a:rPr lang="en-AU" dirty="0"/>
-                        <a:t>lr</a:t>
-                      </a:r>
-                      <a:r>
-                        <a:rPr lang="en-AU" dirty="0"/>
-                        <a:t>_50 </a:t>
-                      </a:r>
-                      <a:endParaRPr lang="en-AU" dirty="0"/>
-                    </a:p>
-                  </a:txBody>
-                  <a:tcPr/>
-                </a:tc>
-                <a:tc>
-                  <a:txBody>
-                    <a:bodyPr/>
-                    <a:lstStyle/>
-                    <a:p>
-                      <a:r>
-                        <a:rPr lang="en-AU" dirty="0"/>
-                        <a:t>LR33 + Xtest_</a:t>
-                      </a:r>
-                      <a:r>
-                        <a:rPr lang="en-AU" dirty="0"/>
-                        <a:t>lr</a:t>
-                      </a:r>
-                      <a:r>
-                        <a:rPr lang="en-AU" dirty="0"/>
-                        <a:t>_33</a:t>
-                      </a:r>
-                      <a:endParaRPr lang="en-AU" dirty="0"/>
-                    </a:p>
-                  </a:txBody>
-                  <a:tcPr/>
-                </a:tc>
-                <a:tc>
-                  <a:txBody>
-                    <a:bodyPr/>
-                    <a:lstStyle/>
-                    <a:p>
-                      <a:r>
-                        <a:rPr lang="en-AU" dirty="0"/>
-                        <a:t>LR</a:t>
-                      </a:r>
-                      <a:r>
-                        <a:rPr lang="en-AU" dirty="0"/>
-                        <a:t>20 + Xtest_</a:t>
-                      </a:r>
-                      <a:r>
-                        <a:rPr lang="en-AU" dirty="0"/>
-                        <a:t>lr</a:t>
-                      </a:r>
-                      <a:r>
-                        <a:rPr lang="en-AU" dirty="0"/>
-                        <a:t>_20</a:t>
-                      </a:r>
-                      <a:endParaRPr lang="en-AU" dirty="0"/>
-                    </a:p>
-                  </a:txBody>
-                  <a:tcPr/>
-                </a:tc>
-                <a:extLst>
-                  <a:ext uri="{0D108BD9-81ED-4DB2-BD59-A6C34878D82A}">
-                    <a16:rowId xmlns:a16="http://schemas.microsoft.com/office/drawing/2014/main" val="3211777526"/>
-                  </a:ext>
-                </a:extLst>
-              </a:tr>
-              <a:tr h="762672">
-                <a:tc>
-                  <a:txBody>
-                    <a:bodyPr/>
-                    <a:lstStyle/>
-                    <a:p>
-                      <a:r>
-                        <a:rPr lang="en-US" dirty="0"/>
-                        <a:t>Confusion Matrix</a:t>
-                      </a:r>
-                      <a:endParaRPr lang="en-AU" dirty="0"/>
-                    </a:p>
-                  </a:txBody>
-                  <a:tcPr/>
-                </a:tc>
-                <a:tc>
-                  <a:txBody>
-                    <a:bodyPr/>
-                    <a:lstStyle/>
-                    <a:p>
-                      <a:r>
-                        <a:rPr lang="en-AU" dirty="0"/>
-                        <a:t>[[3238 4851]</a:t>
-                      </a:r>
-                    </a:p>
-                    <a:p>
-                      <a:r>
-                        <a:rPr lang="en-AU" dirty="0"/>
-                        <a:t>  [2345 5738]]</a:t>
-                      </a:r>
-                      <a:endParaRPr lang="en-AU" dirty="0"/>
-                    </a:p>
-                  </a:txBody>
-                  <a:tcPr/>
-                </a:tc>
-                <a:tc>
-                  <a:txBody>
-                    <a:bodyPr/>
-                    <a:lstStyle/>
-                    <a:p>
-                      <a:r>
-                        <a:rPr lang="en-AU" dirty="0"/>
-                        <a:t>[[10859    39]</a:t>
-                      </a:r>
-                    </a:p>
-                    <a:p>
-                      <a:r>
-                        <a:rPr lang="en-AU" dirty="0"/>
-                        <a:t>     [ 5257    17]]</a:t>
-                      </a:r>
-                      <a:endParaRPr lang="en-AU" dirty="0"/>
-                    </a:p>
-                  </a:txBody>
-                  <a:tcPr/>
-                </a:tc>
-                <a:tc>
-                  <a:txBody>
-                    <a:bodyPr/>
-                    <a:lstStyle/>
-                    <a:p>
-                      <a:r>
-                        <a:rPr lang="en-AU" dirty="0"/>
-                        <a:t>[[12923     0]</a:t>
-                      </a:r>
-                    </a:p>
-                    <a:p>
-                      <a:r>
-                        <a:rPr lang="en-AU" dirty="0"/>
-                        <a:t>     [ 3249     0]]</a:t>
-                      </a:r>
-                      <a:endParaRPr lang="en-AU" dirty="0"/>
-                    </a:p>
-                  </a:txBody>
-                  <a:tcPr/>
-                </a:tc>
-                <a:extLst>
-                  <a:ext uri="{0D108BD9-81ED-4DB2-BD59-A6C34878D82A}">
-                    <a16:rowId xmlns:a16="http://schemas.microsoft.com/office/drawing/2014/main" val="863248057"/>
-                  </a:ext>
-                </a:extLst>
-              </a:tr>
-              <a:tr h="762672">
-                <a:tc gridSpan="4">
-                  <a:txBody>
-                    <a:bodyPr/>
-                    <a:lstStyle/>
-                    <a:p>
-                      <a:r>
-                        <a:rPr lang="en-US" dirty="0"/>
-                        <a:t>LR classifier with imbalanced set suffer from False Positive Issue.</a:t>
-                      </a:r>
-                      <a:endParaRPr lang="en-AU" dirty="0"/>
-                    </a:p>
-                  </a:txBody>
-                  <a:tcPr/>
-                </a:tc>
-                <a:tc hMerge="1">
-                  <a:txBody>
-                    <a:bodyPr/>
-                    <a:lstStyle/>
-                    <a:p>
-                      <a:endParaRPr lang="en-AU" dirty="0"/>
-                    </a:p>
-                  </a:txBody>
-                  <a:tcPr/>
-                </a:tc>
-                <a:tc hMerge="1">
-                  <a:txBody>
-                    <a:bodyPr/>
-                    <a:lstStyle/>
-                    <a:p>
-                      <a:endParaRPr lang="en-AU" dirty="0"/>
-                    </a:p>
-                  </a:txBody>
-                  <a:tcPr/>
-                </a:tc>
-                <a:tc hMerge="1">
-                  <a:txBody>
-                    <a:bodyPr/>
-                    <a:lstStyle/>
-                    <a:p>
-                      <a:endParaRPr lang="en-AU" dirty="0"/>
-                    </a:p>
-                  </a:txBody>
-                  <a:tcPr/>
-                </a:tc>
-                <a:extLst>
-                  <a:ext uri="{0D108BD9-81ED-4DB2-BD59-A6C34878D82A}">
-                    <a16:rowId xmlns:a16="http://schemas.microsoft.com/office/drawing/2014/main" val="1990259118"/>
-                  </a:ext>
-                </a:extLst>
-              </a:tr>
-            </a:tbl>
-          </a:graphicData>
-        </a:graphic>
-      </p:graphicFrame>
+              <a:rPr lang="en-AU" b="1" dirty="0"/>
+              <a:t>LR</a:t>
+            </a:r>
+            <a:r>
+              <a:rPr lang="en-AU" dirty="0"/>
+              <a:t>: Logistic Regression.</a:t>
+            </a:r>
+          </a:p>
+          <a:p>
+            <a:r>
+              <a:rPr lang="en-AU" b="1" dirty="0"/>
+              <a:t>SGDC</a:t>
+            </a:r>
+            <a:r>
+              <a:rPr lang="en-AU" dirty="0"/>
+              <a:t>: SGD Classifier.</a:t>
+            </a:r>
+          </a:p>
+          <a:p>
+            <a:r>
+              <a:rPr lang="en-AU" b="1" dirty="0"/>
+              <a:t>RFC</a:t>
+            </a:r>
+            <a:r>
+              <a:rPr lang="en-AU" dirty="0"/>
+              <a:t>: Random Forest Classifier.</a:t>
+            </a:r>
+          </a:p>
+          <a:p>
+            <a:r>
+              <a:rPr lang="en-AU" b="1" dirty="0"/>
+              <a:t>LR50</a:t>
+            </a:r>
+            <a:r>
+              <a:rPr lang="en-AU" dirty="0"/>
+              <a:t>: Logistic Regression trained with data-set containing balanced 50-50 positive-negative classes.</a:t>
+            </a:r>
+            <a:endParaRPr lang="en-AU" b="1" dirty="0"/>
+          </a:p>
+          <a:p>
+            <a:r>
+              <a:rPr lang="en-AU" b="1" dirty="0"/>
+              <a:t>LR33</a:t>
+            </a:r>
+            <a:r>
+              <a:rPr lang="en-AU" dirty="0"/>
+              <a:t>: Logistic Regression trained with data-set containing 33% positive class entries.</a:t>
+            </a:r>
+          </a:p>
+          <a:p>
+            <a:r>
+              <a:rPr lang="en-AU" b="1" dirty="0"/>
+              <a:t>LR20</a:t>
+            </a:r>
+            <a:r>
+              <a:rPr lang="en-AU" dirty="0"/>
+              <a:t>: Logistic Regression trained with data-set containing 20% positive class entries.</a:t>
+            </a:r>
+          </a:p>
+          <a:p>
+            <a:r>
+              <a:rPr lang="en-AU" b="1" dirty="0"/>
+              <a:t>SGDC50</a:t>
+            </a:r>
+            <a:r>
+              <a:rPr lang="en-AU" dirty="0"/>
+              <a:t>: SGD Classifier trained with data-set containing balanced 50-50 positive-negative classes.</a:t>
+            </a:r>
+          </a:p>
+          <a:p>
+            <a:r>
+              <a:rPr lang="en-AU" b="1" dirty="0"/>
+              <a:t>SGDC33</a:t>
+            </a:r>
+            <a:r>
+              <a:rPr lang="en-AU" dirty="0"/>
+              <a:t>: SGD Classifier trained with data-set containing 33% positive class entries.</a:t>
+            </a:r>
+          </a:p>
+          <a:p>
+            <a:r>
+              <a:rPr lang="en-AU" b="1" dirty="0"/>
+              <a:t>SGDC20</a:t>
+            </a:r>
+            <a:r>
+              <a:rPr lang="en-AU" dirty="0"/>
+              <a:t>: SGD Classifier trained with data-set containing 20% positive class entries.</a:t>
+            </a:r>
+          </a:p>
+          <a:p>
+            <a:r>
+              <a:rPr lang="en-AU" b="1" dirty="0"/>
+              <a:t>RFC50</a:t>
+            </a:r>
+            <a:r>
+              <a:rPr lang="en-AU" dirty="0"/>
+              <a:t>: Random Forest Classifier trained with data-set containing balanced 50-50 positive-negative classes.</a:t>
+            </a:r>
+            <a:endParaRPr lang="en-AU" dirty="0"/>
+          </a:p>
+        </p:txBody>
+      </p:sp>
     </p:spTree>
     <p:extLst>
       <p:ext uri="{BB962C8B-B14F-4D97-AF65-F5344CB8AC3E}">
-        <p14:creationId xmlns:p14="http://schemas.microsoft.com/office/powerpoint/2010/main" val="3433495315"/>
+        <p14:creationId xmlns:p14="http://schemas.microsoft.com/office/powerpoint/2010/main" val="3044674521"/>
       </p:ext>
     </p:extLst>
   </p:cSld>

--- a/capstone_project/slides/predict_ctr_abaxi.pptx
+++ b/capstone_project/slides/predict_ctr_abaxi.pptx
@@ -9933,14 +9933,19 @@
             <p:ph type="title"/>
           </p:nvPr>
         </p:nvSpPr>
-        <p:spPr/>
+        <p:spPr>
+          <a:xfrm>
+            <a:off x="685801" y="609600"/>
+            <a:ext cx="5601487" cy="1456267"/>
+          </a:xfrm>
+        </p:spPr>
         <p:txBody>
           <a:bodyPr/>
           <a:lstStyle/>
           <a:p>
             <a:r>
               <a:rPr lang="en-US" dirty="0"/>
-              <a:t>Data SET</a:t>
+              <a:t>Data-SET</a:t>
             </a:r>
             <a:endParaRPr lang="en-AU" dirty="0"/>
           </a:p>
@@ -10761,13 +10766,8 @@
           <a:p>
             <a:r>
               <a:rPr lang="en-US" dirty="0"/>
-              <a:t>Perform the same steps as local machine with larger data-set on a machine with bigger RAM to train </a:t>
-            </a:r>
-            <a:r>
-              <a:rPr lang="en-US" dirty="0"/>
-              <a:t>Random Forest Classifier.</a:t>
-            </a:r>
-            <a:endParaRPr lang="en-US" dirty="0"/>
+              <a:t>Perform the same steps as local machine with larger data-set on a machine with bigger RAM to train Random Forest Classifier.</a:t>
+            </a:r>
           </a:p>
           <a:p>
             <a:r>
@@ -10952,7 +10952,6 @@
               <a:rPr lang="en-AU" dirty="0"/>
               <a:t>: Random Forest Classifier trained with data-set containing balanced 50-50 positive-negative classes.</a:t>
             </a:r>
-            <a:endParaRPr lang="en-AU" dirty="0"/>
           </a:p>
         </p:txBody>
       </p:sp>
